--- a/Upswing Jumpin’.pptx
+++ b/Upswing Jumpin’.pptx
@@ -10,29 +10,31 @@
     <p:sldId id="258" r:id="rId8"/>
     <p:sldId id="259" r:id="rId9"/>
     <p:sldId id="260" r:id="rId10"/>
+    <p:sldId id="261" r:id="rId11"/>
+    <p:sldId id="262" r:id="rId12"/>
   </p:sldIdLst>
   <p:sldSz cx="18288000" cy="10287000"/>
   <p:notesSz cx="6858000" cy="9144000"/>
   <p:embeddedFontLst>
     <p:embeddedFont>
       <p:font typeface="Lalezar" charset="1" panose="00000500000000000000"/>
-      <p:regular r:id="rId11"/>
+      <p:regular r:id="rId13"/>
     </p:embeddedFont>
     <p:embeddedFont>
       <p:font typeface="Dreaming Outloud Sans" charset="1" panose="00000500000000000000"/>
-      <p:regular r:id="rId12"/>
+      <p:regular r:id="rId14"/>
     </p:embeddedFont>
     <p:embeddedFont>
       <p:font typeface="Clear Sans Regular Bold" charset="1" panose="020B0603030202020304"/>
-      <p:regular r:id="rId13"/>
+      <p:regular r:id="rId15"/>
     </p:embeddedFont>
     <p:embeddedFont>
       <p:font typeface="Clear Sans Regular" charset="1" panose="020B0503030202020304"/>
-      <p:regular r:id="rId14"/>
+      <p:regular r:id="rId16"/>
     </p:embeddedFont>
     <p:embeddedFont>
       <p:font typeface="Open Sans" charset="1" panose="020B0606030504020204"/>
-      <p:regular r:id="rId15"/>
+      <p:regular r:id="rId17"/>
     </p:embeddedFont>
   </p:embeddedFontLst>
   <p:defaultTextStyle>
@@ -4334,7 +4336,7 @@
         </p:nvGraphicFramePr>
         <p:xfrm>
           <a:off x="6920779" y="-88491"/>
-          <a:ext cx="11367221" cy="10159699"/>
+          <a:ext cx="11367221" cy="10287000"/>
         </p:xfrm>
         <a:graphic>
           <a:graphicData uri="http://schemas.openxmlformats.org/drawingml/2006/table">
@@ -4344,7 +4346,7 @@
                 <a:gridCol w="5693130"/>
                 <a:gridCol w="5674091"/>
               </a:tblGrid>
-              <a:tr h="2603457">
+              <a:tr h="2603366">
                 <a:tc>
                   <a:txBody>
                     <a:bodyPr anchor="t" rtlCol="false"/>
@@ -4482,7 +4484,7 @@
                   </a:tcPr>
                 </a:tc>
               </a:tr>
-              <a:tr h="2546863">
+              <a:tr h="2546774">
                 <a:tc>
                   <a:txBody>
                     <a:bodyPr anchor="t" rtlCol="false"/>
@@ -4620,7 +4622,7 @@
                   </a:tcPr>
                 </a:tc>
               </a:tr>
-              <a:tr h="2546863">
+              <a:tr h="2674429">
                 <a:tc>
                   <a:txBody>
                     <a:bodyPr anchor="t" rtlCol="false"/>
@@ -4632,6 +4634,18 @@
                         </a:lnSpc>
                         <a:defRPr/>
                       </a:pPr>
+                      <a:r>
+                        <a:rPr lang="en-US" sz="2499">
+                          <a:solidFill>
+                            <a:srgbClr val="FEFEFE"/>
+                          </a:solidFill>
+                          <a:latin typeface="Clear Sans Regular"/>
+                          <a:ea typeface="Clear Sans Regular"/>
+                          <a:cs typeface="Clear Sans Regular"/>
+                          <a:sym typeface="Clear Sans Regular"/>
+                        </a:rPr>
+                        <a:t>Кому это нужно?</a:t>
+                      </a:r>
                       <a:endParaRPr lang="en-US" sz="1100"/>
                     </a:p>
                   </a:txBody>
@@ -4688,6 +4702,18 @@
                         </a:lnSpc>
                         <a:defRPr/>
                       </a:pPr>
+                      <a:r>
+                        <a:rPr lang="en-US" sz="2499">
+                          <a:solidFill>
+                            <a:srgbClr val="FEFEFE"/>
+                          </a:solidFill>
+                          <a:latin typeface="Clear Sans Regular"/>
+                          <a:ea typeface="Clear Sans Regular"/>
+                          <a:cs typeface="Clear Sans Regular"/>
+                          <a:sym typeface="Clear Sans Regular"/>
+                        </a:rPr>
+                        <a:t>Мне и моим друзьям. Мы любим изучать новое и смеяться с багов, возникающий при разработке. С этим проектом мы повеселились однозначно.</a:t>
+                      </a:r>
                       <a:endParaRPr lang="en-US" sz="1100"/>
                     </a:p>
                   </a:txBody>
@@ -4734,7 +4760,7 @@
                   </a:tcPr>
                 </a:tc>
               </a:tr>
-              <a:tr h="2462517">
+              <a:tr h="2462431">
                 <a:tc>
                   <a:txBody>
                     <a:bodyPr anchor="t" rtlCol="false"/>
@@ -4746,6 +4772,18 @@
                         </a:lnSpc>
                         <a:defRPr/>
                       </a:pPr>
+                      <a:r>
+                        <a:rPr lang="en-US" sz="2499">
+                          <a:solidFill>
+                            <a:srgbClr val="FEFEFE"/>
+                          </a:solidFill>
+                          <a:latin typeface="Clear Sans Regular"/>
+                          <a:ea typeface="Clear Sans Regular"/>
+                          <a:cs typeface="Clear Sans Regular"/>
+                          <a:sym typeface="Clear Sans Regular"/>
+                        </a:rPr>
+                        <a:t>Планируем ли мы дорабатывать проект?</a:t>
+                      </a:r>
                       <a:endParaRPr lang="en-US" sz="1100"/>
                     </a:p>
                   </a:txBody>
@@ -4802,6 +4840,18 @@
                         </a:lnSpc>
                         <a:defRPr/>
                       </a:pPr>
+                      <a:r>
+                        <a:rPr lang="en-US" sz="2499">
+                          <a:solidFill>
+                            <a:srgbClr val="FEFEFE"/>
+                          </a:solidFill>
+                          <a:latin typeface="Clear Sans Regular"/>
+                          <a:ea typeface="Clear Sans Regular"/>
+                          <a:cs typeface="Clear Sans Regular"/>
+                          <a:sym typeface="Clear Sans Regular"/>
+                        </a:rPr>
+                        <a:t>Конечно. Хочется добавить ещё элементы из GD. Навести красоту в стилях и добавить звуков.</a:t>
+                      </a:r>
                       <a:endParaRPr lang="en-US" sz="1100"/>
                     </a:p>
                   </a:txBody>
@@ -5203,106 +5253,7 @@
       </p:sp>
       <p:sp>
         <p:nvSpPr>
-          <p:cNvPr name="Freeform 6" id="6"/>
-          <p:cNvSpPr/>
-          <p:nvPr/>
-        </p:nvSpPr>
-        <p:spPr>
-          <a:xfrm flipH="false" flipV="false" rot="0">
-            <a:off x="9534325" y="2922570"/>
-            <a:ext cx="7724975" cy="4441860"/>
-          </a:xfrm>
-          <a:custGeom>
-            <a:avLst/>
-            <a:gdLst/>
-            <a:ahLst/>
-            <a:cxnLst/>
-            <a:rect r="r" b="b" t="t" l="l"/>
-            <a:pathLst>
-              <a:path h="4441860" w="7724975">
-                <a:moveTo>
-                  <a:pt x="0" y="0"/>
-                </a:moveTo>
-                <a:lnTo>
-                  <a:pt x="7724975" y="0"/>
-                </a:lnTo>
-                <a:lnTo>
-                  <a:pt x="7724975" y="4441860"/>
-                </a:lnTo>
-                <a:lnTo>
-                  <a:pt x="0" y="4441860"/>
-                </a:lnTo>
-                <a:lnTo>
-                  <a:pt x="0" y="0"/>
-                </a:lnTo>
-                <a:close/>
-              </a:path>
-            </a:pathLst>
-          </a:custGeom>
-          <a:blipFill>
-            <a:blip r:embed="rId10"/>
-            <a:stretch>
-              <a:fillRect l="0" t="0" r="0" b="0"/>
-            </a:stretch>
-          </a:blipFill>
-          <a:ln w="85725" cap="rnd">
-            <a:solidFill>
-              <a:srgbClr val="000000"/>
-            </a:solidFill>
-            <a:prstDash val="solid"/>
-            <a:round/>
-          </a:ln>
-        </p:spPr>
-      </p:sp>
-      <p:sp>
-        <p:nvSpPr>
-          <p:cNvPr name="Freeform 7" id="7"/>
-          <p:cNvSpPr/>
-          <p:nvPr/>
-        </p:nvSpPr>
-        <p:spPr>
-          <a:xfrm flipH="false" flipV="false" rot="0">
-            <a:off x="5515508" y="2922570"/>
-            <a:ext cx="3186410" cy="6189492"/>
-          </a:xfrm>
-          <a:custGeom>
-            <a:avLst/>
-            <a:gdLst/>
-            <a:ahLst/>
-            <a:cxnLst/>
-            <a:rect r="r" b="b" t="t" l="l"/>
-            <a:pathLst>
-              <a:path h="6189492" w="3186410">
-                <a:moveTo>
-                  <a:pt x="0" y="0"/>
-                </a:moveTo>
-                <a:lnTo>
-                  <a:pt x="3186409" y="0"/>
-                </a:lnTo>
-                <a:lnTo>
-                  <a:pt x="3186409" y="6189491"/>
-                </a:lnTo>
-                <a:lnTo>
-                  <a:pt x="0" y="6189491"/>
-                </a:lnTo>
-                <a:lnTo>
-                  <a:pt x="0" y="0"/>
-                </a:lnTo>
-                <a:close/>
-              </a:path>
-            </a:pathLst>
-          </a:custGeom>
-          <a:blipFill>
-            <a:blip r:embed="rId11"/>
-            <a:stretch>
-              <a:fillRect l="0" t="0" r="0" b="0"/>
-            </a:stretch>
-          </a:blipFill>
-        </p:spPr>
-      </p:sp>
-      <p:sp>
-        <p:nvSpPr>
-          <p:cNvPr name="TextBox 8" id="8"/>
+          <p:cNvPr name="TextBox 6" id="6"/>
           <p:cNvSpPr txBox="true"/>
           <p:nvPr/>
         </p:nvSpPr>
@@ -5336,7 +5287,271 @@
                 <a:cs typeface="Lalezar"/>
                 <a:sym typeface="Lalezar"/>
               </a:rPr>
-              <a:t>Игра</a:t>
+              <a:t>Технологии</a:t>
+            </a:r>
+          </a:p>
+        </p:txBody>
+      </p:sp>
+      <p:sp>
+        <p:nvSpPr>
+          <p:cNvPr name="TextBox 7" id="7"/>
+          <p:cNvSpPr txBox="true"/>
+          <p:nvPr/>
+        </p:nvSpPr>
+        <p:spPr>
+          <a:xfrm rot="0">
+            <a:off x="4441355" y="3240850"/>
+            <a:ext cx="7543443" cy="613410"/>
+          </a:xfrm>
+          <a:prstGeom prst="rect">
+            <a:avLst/>
+          </a:prstGeom>
+        </p:spPr>
+        <p:txBody>
+          <a:bodyPr anchor="t" rtlCol="false" tIns="0" lIns="0" bIns="0" rIns="0">
+            <a:spAutoFit/>
+          </a:bodyPr>
+          <a:lstStyle/>
+          <a:p>
+            <a:pPr algn="ctr">
+              <a:lnSpc>
+                <a:spcPts val="5040"/>
+              </a:lnSpc>
+              <a:spcBef>
+                <a:spcPct val="0"/>
+              </a:spcBef>
+            </a:pPr>
+            <a:r>
+              <a:rPr lang="en-US" sz="3600">
+                <a:solidFill>
+                  <a:srgbClr val="C1314C"/>
+                </a:solidFill>
+                <a:latin typeface="Lalezar"/>
+                <a:ea typeface="Lalezar"/>
+                <a:cs typeface="Lalezar"/>
+                <a:sym typeface="Lalezar"/>
+              </a:rPr>
+              <a:t>arcade - ядро  приложения/движок</a:t>
+            </a:r>
+          </a:p>
+        </p:txBody>
+      </p:sp>
+      <p:sp>
+        <p:nvSpPr>
+          <p:cNvPr name="TextBox 8" id="8"/>
+          <p:cNvSpPr txBox="true"/>
+          <p:nvPr/>
+        </p:nvSpPr>
+        <p:spPr>
+          <a:xfrm rot="0">
+            <a:off x="4439603" y="4134530"/>
+            <a:ext cx="8605004" cy="613410"/>
+          </a:xfrm>
+          <a:prstGeom prst="rect">
+            <a:avLst/>
+          </a:prstGeom>
+        </p:spPr>
+        <p:txBody>
+          <a:bodyPr anchor="t" rtlCol="false" tIns="0" lIns="0" bIns="0" rIns="0">
+            <a:spAutoFit/>
+          </a:bodyPr>
+          <a:lstStyle/>
+          <a:p>
+            <a:pPr algn="ctr">
+              <a:lnSpc>
+                <a:spcPts val="5040"/>
+              </a:lnSpc>
+              <a:spcBef>
+                <a:spcPct val="0"/>
+              </a:spcBef>
+            </a:pPr>
+            <a:r>
+              <a:rPr lang="en-US" sz="3600">
+                <a:solidFill>
+                  <a:srgbClr val="C1314C"/>
+                </a:solidFill>
+                <a:latin typeface="Lalezar"/>
+                <a:ea typeface="Lalezar"/>
+                <a:cs typeface="Lalezar"/>
+                <a:sym typeface="Lalezar"/>
+              </a:rPr>
+              <a:t>configparser- загрузка настроек проекта</a:t>
+            </a:r>
+          </a:p>
+        </p:txBody>
+      </p:sp>
+      <p:sp>
+        <p:nvSpPr>
+          <p:cNvPr name="TextBox 9" id="9"/>
+          <p:cNvSpPr txBox="true"/>
+          <p:nvPr/>
+        </p:nvSpPr>
+        <p:spPr>
+          <a:xfrm rot="0">
+            <a:off x="4439603" y="5028210"/>
+            <a:ext cx="9408795" cy="613410"/>
+          </a:xfrm>
+          <a:prstGeom prst="rect">
+            <a:avLst/>
+          </a:prstGeom>
+        </p:spPr>
+        <p:txBody>
+          <a:bodyPr anchor="t" rtlCol="false" tIns="0" lIns="0" bIns="0" rIns="0">
+            <a:spAutoFit/>
+          </a:bodyPr>
+          <a:lstStyle/>
+          <a:p>
+            <a:pPr algn="ctr">
+              <a:lnSpc>
+                <a:spcPts val="5040"/>
+              </a:lnSpc>
+              <a:spcBef>
+                <a:spcPct val="0"/>
+              </a:spcBef>
+            </a:pPr>
+            <a:r>
+              <a:rPr lang="en-US" sz="3600">
+                <a:solidFill>
+                  <a:srgbClr val="C1314C"/>
+                </a:solidFill>
+                <a:latin typeface="Lalezar"/>
+                <a:ea typeface="Lalezar"/>
+                <a:cs typeface="Lalezar"/>
+                <a:sym typeface="Lalezar"/>
+              </a:rPr>
+              <a:t>pydantic- работа с форматированием строк</a:t>
+            </a:r>
+          </a:p>
+        </p:txBody>
+      </p:sp>
+      <p:sp>
+        <p:nvSpPr>
+          <p:cNvPr name="TextBox 10" id="10"/>
+          <p:cNvSpPr txBox="true"/>
+          <p:nvPr/>
+        </p:nvSpPr>
+        <p:spPr>
+          <a:xfrm rot="0">
+            <a:off x="1028700" y="5879745"/>
+            <a:ext cx="17463541" cy="613410"/>
+          </a:xfrm>
+          <a:prstGeom prst="rect">
+            <a:avLst/>
+          </a:prstGeom>
+        </p:spPr>
+        <p:txBody>
+          <a:bodyPr anchor="t" rtlCol="false" tIns="0" lIns="0" bIns="0" rIns="0">
+            <a:spAutoFit/>
+          </a:bodyPr>
+          <a:lstStyle/>
+          <a:p>
+            <a:pPr algn="ctr">
+              <a:lnSpc>
+                <a:spcPts val="5040"/>
+              </a:lnSpc>
+              <a:spcBef>
+                <a:spcPct val="0"/>
+              </a:spcBef>
+            </a:pPr>
+            <a:r>
+              <a:rPr lang="en-US" sz="3600">
+                <a:solidFill>
+                  <a:srgbClr val="C1314C"/>
+                </a:solidFill>
+                <a:latin typeface="Lalezar"/>
+                <a:ea typeface="Lalezar"/>
+                <a:cs typeface="Lalezar"/>
+                <a:sym typeface="Lalezar"/>
+              </a:rPr>
+              <a:t>datetime - расчёт полученных денег за время отсутствия игрока</a:t>
+            </a:r>
+          </a:p>
+        </p:txBody>
+      </p:sp>
+      <p:sp>
+        <p:nvSpPr>
+          <p:cNvPr name="TextBox 11" id="11"/>
+          <p:cNvSpPr txBox="true"/>
+          <p:nvPr/>
+        </p:nvSpPr>
+        <p:spPr>
+          <a:xfrm rot="0">
+            <a:off x="2728814" y="6769380"/>
+            <a:ext cx="10117398" cy="613410"/>
+          </a:xfrm>
+          <a:prstGeom prst="rect">
+            <a:avLst/>
+          </a:prstGeom>
+        </p:spPr>
+        <p:txBody>
+          <a:bodyPr anchor="t" rtlCol="false" tIns="0" lIns="0" bIns="0" rIns="0">
+            <a:spAutoFit/>
+          </a:bodyPr>
+          <a:lstStyle/>
+          <a:p>
+            <a:pPr algn="ctr">
+              <a:lnSpc>
+                <a:spcPts val="5040"/>
+              </a:lnSpc>
+              <a:spcBef>
+                <a:spcPct val="0"/>
+              </a:spcBef>
+            </a:pPr>
+            <a:r>
+              <a:rPr lang="en-US" sz="3600">
+                <a:solidFill>
+                  <a:srgbClr val="C1314C"/>
+                </a:solidFill>
+                <a:latin typeface="Lalezar"/>
+                <a:ea typeface="Lalezar"/>
+                <a:cs typeface="Lalezar"/>
+                <a:sym typeface="Lalezar"/>
+              </a:rPr>
+              <a:t>sqlite3 - работа с базой данных</a:t>
+            </a:r>
+          </a:p>
+        </p:txBody>
+      </p:sp>
+      <p:sp>
+        <p:nvSpPr>
+          <p:cNvPr name="TextBox 12" id="12"/>
+          <p:cNvSpPr txBox="true"/>
+          <p:nvPr/>
+        </p:nvSpPr>
+        <p:spPr>
+          <a:xfrm rot="0">
+            <a:off x="2520799" y="7524676"/>
+            <a:ext cx="10117398" cy="613410"/>
+          </a:xfrm>
+          <a:prstGeom prst="rect">
+            <a:avLst/>
+          </a:prstGeom>
+        </p:spPr>
+        <p:txBody>
+          <a:bodyPr anchor="t" rtlCol="false" tIns="0" lIns="0" bIns="0" rIns="0">
+            <a:spAutoFit/>
+          </a:bodyPr>
+          <a:lstStyle/>
+          <a:p>
+            <a:pPr algn="ctr">
+              <a:lnSpc>
+                <a:spcPts val="5040"/>
+              </a:lnSpc>
+              <a:spcBef>
+                <a:spcPct val="0"/>
+              </a:spcBef>
+            </a:pPr>
+            <a:r>
+              <a:rPr lang="en-US" sz="3600">
+                <a:solidFill>
+                  <a:srgbClr val="C1314C"/>
+                </a:solidFill>
+                <a:latin typeface="Lalezar"/>
+                <a:ea typeface="Lalezar"/>
+                <a:cs typeface="Lalezar"/>
+                <a:sym typeface="Lalezar"/>
+              </a:rPr>
+              <a:t>json-работа с JSON-файлами</a:t>
             </a:r>
           </a:p>
         </p:txBody>
@@ -5350,6 +5565,162 @@
 </file>
 
 <file path=ppt/slides/slide5.xml><?xml version="1.0" encoding="utf-8"?>
+<p:sld xmlns:p="http://schemas.openxmlformats.org/presentationml/2006/main" xmlns:a="http://schemas.openxmlformats.org/drawingml/2006/main" xmlns:r="http://schemas.openxmlformats.org/officeDocument/2006/relationships">
+  <p:cSld>
+    <p:bg>
+      <p:bgPr>
+        <a:solidFill>
+          <a:srgbClr val="181818"/>
+        </a:solidFill>
+      </p:bgPr>
+    </p:bg>
+    <p:spTree>
+      <p:nvGrpSpPr>
+        <p:cNvPr id="1" name=""/>
+        <p:cNvGrpSpPr/>
+        <p:nvPr/>
+      </p:nvGrpSpPr>
+      <p:grpSpPr>
+        <a:xfrm>
+          <a:off x="0" y="0"/>
+          <a:ext cx="0" cy="0"/>
+          <a:chOff x="0" y="0"/>
+          <a:chExt cx="0" cy="0"/>
+        </a:xfrm>
+      </p:grpSpPr>
+      <p:sp>
+        <p:nvSpPr>
+          <p:cNvPr name="Freeform 2" id="2"/>
+          <p:cNvSpPr/>
+          <p:nvPr/>
+        </p:nvSpPr>
+        <p:spPr>
+          <a:xfrm flipH="false" flipV="false" rot="0">
+            <a:off x="0" y="297180"/>
+            <a:ext cx="18288000" cy="9692640"/>
+          </a:xfrm>
+          <a:custGeom>
+            <a:avLst/>
+            <a:gdLst/>
+            <a:ahLst/>
+            <a:cxnLst/>
+            <a:rect r="r" b="b" t="t" l="l"/>
+            <a:pathLst>
+              <a:path h="9692640" w="18288000">
+                <a:moveTo>
+                  <a:pt x="0" y="0"/>
+                </a:moveTo>
+                <a:lnTo>
+                  <a:pt x="18288000" y="0"/>
+                </a:lnTo>
+                <a:lnTo>
+                  <a:pt x="18288000" y="9692640"/>
+                </a:lnTo>
+                <a:lnTo>
+                  <a:pt x="0" y="9692640"/>
+                </a:lnTo>
+                <a:lnTo>
+                  <a:pt x="0" y="0"/>
+                </a:lnTo>
+                <a:close/>
+              </a:path>
+            </a:pathLst>
+          </a:custGeom>
+          <a:blipFill>
+            <a:blip r:embed="rId2"/>
+            <a:stretch>
+              <a:fillRect l="0" t="0" r="0" b="0"/>
+            </a:stretch>
+          </a:blipFill>
+        </p:spPr>
+      </p:sp>
+    </p:spTree>
+  </p:cSld>
+  <p:clrMapOvr>
+    <a:masterClrMapping/>
+  </p:clrMapOvr>
+</p:sld>
+</file>
+
+<file path=ppt/slides/slide6.xml><?xml version="1.0" encoding="utf-8"?>
+<p:sld xmlns:p="http://schemas.openxmlformats.org/presentationml/2006/main" xmlns:a="http://schemas.openxmlformats.org/drawingml/2006/main" xmlns:r="http://schemas.openxmlformats.org/officeDocument/2006/relationships">
+  <p:cSld>
+    <p:bg>
+      <p:bgPr>
+        <a:solidFill>
+          <a:srgbClr val="181818"/>
+        </a:solidFill>
+      </p:bgPr>
+    </p:bg>
+    <p:spTree>
+      <p:nvGrpSpPr>
+        <p:cNvPr id="1" name=""/>
+        <p:cNvGrpSpPr/>
+        <p:nvPr/>
+      </p:nvGrpSpPr>
+      <p:grpSpPr>
+        <a:xfrm>
+          <a:off x="0" y="0"/>
+          <a:ext cx="0" cy="0"/>
+          <a:chOff x="0" y="0"/>
+          <a:chExt cx="0" cy="0"/>
+        </a:xfrm>
+      </p:grpSpPr>
+      <p:sp>
+        <p:nvSpPr>
+          <p:cNvPr name="Freeform 2" id="2"/>
+          <p:cNvSpPr/>
+          <p:nvPr/>
+        </p:nvSpPr>
+        <p:spPr>
+          <a:xfrm flipH="false" flipV="false" rot="0">
+            <a:off x="0" y="377190"/>
+            <a:ext cx="18288000" cy="9532620"/>
+          </a:xfrm>
+          <a:custGeom>
+            <a:avLst/>
+            <a:gdLst/>
+            <a:ahLst/>
+            <a:cxnLst/>
+            <a:rect r="r" b="b" t="t" l="l"/>
+            <a:pathLst>
+              <a:path h="9532620" w="18288000">
+                <a:moveTo>
+                  <a:pt x="0" y="0"/>
+                </a:moveTo>
+                <a:lnTo>
+                  <a:pt x="18288000" y="0"/>
+                </a:lnTo>
+                <a:lnTo>
+                  <a:pt x="18288000" y="9532620"/>
+                </a:lnTo>
+                <a:lnTo>
+                  <a:pt x="0" y="9532620"/>
+                </a:lnTo>
+                <a:lnTo>
+                  <a:pt x="0" y="0"/>
+                </a:lnTo>
+                <a:close/>
+              </a:path>
+            </a:pathLst>
+          </a:custGeom>
+          <a:blipFill>
+            <a:blip r:embed="rId2"/>
+            <a:stretch>
+              <a:fillRect l="0" t="0" r="0" b="0"/>
+            </a:stretch>
+          </a:blipFill>
+        </p:spPr>
+      </p:sp>
+    </p:spTree>
+  </p:cSld>
+  <p:clrMapOvr>
+    <a:masterClrMapping/>
+  </p:clrMapOvr>
+</p:sld>
+</file>
+
+<file path=ppt/slides/slide7.xml><?xml version="1.0" encoding="utf-8"?>
 <p:sld xmlns:p="http://schemas.openxmlformats.org/presentationml/2006/main" xmlns:a="http://schemas.openxmlformats.org/drawingml/2006/main" xmlns:r="http://schemas.openxmlformats.org/officeDocument/2006/relationships">
   <p:cSld>
     <p:bg>

--- a/Upswing Jumpin’.pptx
+++ b/Upswing Jumpin’.pptx
@@ -1,39 +1,46 @@
 
 <file path=ppt/presentation.xml><?xml version="1.0" encoding="utf-8"?>
-<p:presentation xmlns:a="http://schemas.openxmlformats.org/drawingml/2006/main" xmlns:r="http://schemas.openxmlformats.org/officeDocument/2006/relationships" xmlns:p="http://schemas.openxmlformats.org/presentationml/2006/main" saveSubsetFonts="1" embedTrueTypeFonts="true">
+<p:presentation xmlns:a="http://schemas.openxmlformats.org/drawingml/2006/main" xmlns:r="http://schemas.openxmlformats.org/officeDocument/2006/relationships" xmlns:p="http://schemas.openxmlformats.org/presentationml/2006/main" embedTrueTypeFonts="1" saveSubsetFonts="1">
   <p:sldMasterIdLst>
     <p:sldMasterId id="2147483648" r:id="rId1"/>
   </p:sldMasterIdLst>
   <p:sldIdLst>
-    <p:sldId id="256" r:id="rId6"/>
-    <p:sldId id="257" r:id="rId7"/>
-    <p:sldId id="258" r:id="rId8"/>
-    <p:sldId id="259" r:id="rId9"/>
-    <p:sldId id="260" r:id="rId10"/>
-    <p:sldId id="261" r:id="rId11"/>
-    <p:sldId id="262" r:id="rId12"/>
+    <p:sldId id="256" r:id="rId2"/>
+    <p:sldId id="257" r:id="rId3"/>
+    <p:sldId id="258" r:id="rId4"/>
+    <p:sldId id="259" r:id="rId5"/>
+    <p:sldId id="260" r:id="rId6"/>
+    <p:sldId id="261" r:id="rId7"/>
+    <p:sldId id="262" r:id="rId8"/>
   </p:sldIdLst>
   <p:sldSz cx="18288000" cy="10287000"/>
   <p:notesSz cx="6858000" cy="9144000"/>
   <p:embeddedFontLst>
     <p:embeddedFont>
-      <p:font typeface="Lalezar" charset="1" panose="00000500000000000000"/>
-      <p:regular r:id="rId13"/>
+      <p:font typeface="Clear Sans Regular" panose="020B0604020202020204" charset="0"/>
+      <p:regular r:id="rId9"/>
     </p:embeddedFont>
     <p:embeddedFont>
-      <p:font typeface="Dreaming Outloud Sans" charset="1" panose="00000500000000000000"/>
-      <p:regular r:id="rId14"/>
+      <p:font typeface="Dreaming Outloud Sans" panose="020B0604020202020204" charset="-52"/>
+      <p:regular r:id="rId10"/>
     </p:embeddedFont>
     <p:embeddedFont>
-      <p:font typeface="Clear Sans Regular Bold" charset="1" panose="020B0603030202020304"/>
-      <p:regular r:id="rId15"/>
+      <p:font typeface="Open Sans" panose="020B0604020202020204" charset="0"/>
+      <p:regular r:id="rId11"/>
     </p:embeddedFont>
     <p:embeddedFont>
-      <p:font typeface="Clear Sans Regular" charset="1" panose="020B0503030202020304"/>
+      <p:font typeface="Calibri" panose="020F0502020204030204" pitchFamily="34" charset="0"/>
+      <p:regular r:id="rId12"/>
+      <p:bold r:id="rId13"/>
+      <p:italic r:id="rId14"/>
+      <p:boldItalic r:id="rId15"/>
+    </p:embeddedFont>
+    <p:embeddedFont>
+      <p:font typeface="Lalezar" panose="020B0604020202020204" charset="-78"/>
       <p:regular r:id="rId16"/>
     </p:embeddedFont>
     <p:embeddedFont>
-      <p:font typeface="Open Sans" charset="1" panose="020B0606030504020204"/>
+      <p:font typeface="Clear Sans Regular Bold" panose="020B0604020202020204" charset="0"/>
       <p:regular r:id="rId17"/>
     </p:embeddedFont>
   </p:embeddedFontLst>
@@ -132,6 +139,22 @@
       </a:defRPr>
     </a:lvl9pPr>
   </p:defaultTextStyle>
+  <p:extLst>
+    <p:ext uri="{EFAFB233-063F-42B5-8137-9DF3F51BA10A}">
+      <p15:sldGuideLst xmlns:p15="http://schemas.microsoft.com/office/powerpoint/2012/main">
+        <p15:guide id="1" orient="horz" pos="2160">
+          <p15:clr>
+            <a:srgbClr val="A4A3A4"/>
+          </p15:clr>
+        </p15:guide>
+        <p15:guide id="2" pos="2880">
+          <p15:clr>
+            <a:srgbClr val="A4A3A4"/>
+          </p15:clr>
+        </p15:guide>
+      </p15:sldGuideLst>
+    </p:ext>
+  </p:extLst>
 </p:presentation>
 </file>
 
@@ -317,9 +340,9 @@
             <a:fld id="{1D8BD707-D9CF-40AE-B4C6-C98DA3205C09}" type="datetimeFigureOut">
               <a:rPr lang="en-US" smtClean="0"/>
               <a:pPr/>
-              <a:t>8/1/2011</a:t>
+              <a:t>1/29/2026</a:t>
             </a:fld>
-            <a:endParaRPr lang="en-US"/>
+            <a:endParaRPr lang="en-US" dirty="0"/>
           </a:p>
         </p:txBody>
       </p:sp>
@@ -338,7 +361,7 @@
           <a:bodyPr/>
           <a:lstStyle/>
           <a:p>
-            <a:endParaRPr lang="en-US"/>
+            <a:endParaRPr lang="en-US" dirty="0"/>
           </a:p>
         </p:txBody>
       </p:sp>
@@ -362,7 +385,7 @@
               <a:pPr/>
               <a:t>‹#›</a:t>
             </a:fld>
-            <a:endParaRPr lang="en-US"/>
+            <a:endParaRPr lang="en-US" dirty="0"/>
           </a:p>
         </p:txBody>
       </p:sp>
@@ -484,9 +507,9 @@
             <a:fld id="{1D8BD707-D9CF-40AE-B4C6-C98DA3205C09}" type="datetimeFigureOut">
               <a:rPr lang="en-US" smtClean="0"/>
               <a:pPr/>
-              <a:t>8/1/2011</a:t>
+              <a:t>1/29/2026</a:t>
             </a:fld>
-            <a:endParaRPr lang="en-US"/>
+            <a:endParaRPr lang="en-US" dirty="0"/>
           </a:p>
         </p:txBody>
       </p:sp>
@@ -505,7 +528,7 @@
           <a:bodyPr/>
           <a:lstStyle/>
           <a:p>
-            <a:endParaRPr lang="en-US"/>
+            <a:endParaRPr lang="en-US" dirty="0"/>
           </a:p>
         </p:txBody>
       </p:sp>
@@ -529,7 +552,7 @@
               <a:pPr/>
               <a:t>‹#›</a:t>
             </a:fld>
-            <a:endParaRPr lang="en-US"/>
+            <a:endParaRPr lang="en-US" dirty="0"/>
           </a:p>
         </p:txBody>
       </p:sp>
@@ -661,9 +684,9 @@
             <a:fld id="{1D8BD707-D9CF-40AE-B4C6-C98DA3205C09}" type="datetimeFigureOut">
               <a:rPr lang="en-US" smtClean="0"/>
               <a:pPr/>
-              <a:t>8/1/2011</a:t>
+              <a:t>1/29/2026</a:t>
             </a:fld>
-            <a:endParaRPr lang="en-US"/>
+            <a:endParaRPr lang="en-US" dirty="0"/>
           </a:p>
         </p:txBody>
       </p:sp>
@@ -682,7 +705,7 @@
           <a:bodyPr/>
           <a:lstStyle/>
           <a:p>
-            <a:endParaRPr lang="en-US"/>
+            <a:endParaRPr lang="en-US" dirty="0"/>
           </a:p>
         </p:txBody>
       </p:sp>
@@ -706,7 +729,7 @@
               <a:pPr/>
               <a:t>‹#›</a:t>
             </a:fld>
-            <a:endParaRPr lang="en-US"/>
+            <a:endParaRPr lang="en-US" dirty="0"/>
           </a:p>
         </p:txBody>
       </p:sp>
@@ -828,9 +851,9 @@
             <a:fld id="{1D8BD707-D9CF-40AE-B4C6-C98DA3205C09}" type="datetimeFigureOut">
               <a:rPr lang="en-US" smtClean="0"/>
               <a:pPr/>
-              <a:t>8/1/2011</a:t>
+              <a:t>1/29/2026</a:t>
             </a:fld>
-            <a:endParaRPr lang="en-US"/>
+            <a:endParaRPr lang="en-US" dirty="0"/>
           </a:p>
         </p:txBody>
       </p:sp>
@@ -849,7 +872,7 @@
           <a:bodyPr/>
           <a:lstStyle/>
           <a:p>
-            <a:endParaRPr lang="en-US"/>
+            <a:endParaRPr lang="en-US" dirty="0"/>
           </a:p>
         </p:txBody>
       </p:sp>
@@ -873,7 +896,7 @@
               <a:pPr/>
               <a:t>‹#›</a:t>
             </a:fld>
-            <a:endParaRPr lang="en-US"/>
+            <a:endParaRPr lang="en-US" dirty="0"/>
           </a:p>
         </p:txBody>
       </p:sp>
@@ -1071,9 +1094,9 @@
             <a:fld id="{1D8BD707-D9CF-40AE-B4C6-C98DA3205C09}" type="datetimeFigureOut">
               <a:rPr lang="en-US" smtClean="0"/>
               <a:pPr/>
-              <a:t>8/1/2011</a:t>
+              <a:t>1/29/2026</a:t>
             </a:fld>
-            <a:endParaRPr lang="en-US"/>
+            <a:endParaRPr lang="en-US" dirty="0"/>
           </a:p>
         </p:txBody>
       </p:sp>
@@ -1092,7 +1115,7 @@
           <a:bodyPr/>
           <a:lstStyle/>
           <a:p>
-            <a:endParaRPr lang="en-US"/>
+            <a:endParaRPr lang="en-US" dirty="0"/>
           </a:p>
         </p:txBody>
       </p:sp>
@@ -1116,7 +1139,7 @@
               <a:pPr/>
               <a:t>‹#›</a:t>
             </a:fld>
-            <a:endParaRPr lang="en-US"/>
+            <a:endParaRPr lang="en-US" dirty="0"/>
           </a:p>
         </p:txBody>
       </p:sp>
@@ -1356,9 +1379,9 @@
             <a:fld id="{1D8BD707-D9CF-40AE-B4C6-C98DA3205C09}" type="datetimeFigureOut">
               <a:rPr lang="en-US" smtClean="0"/>
               <a:pPr/>
-              <a:t>8/1/2011</a:t>
+              <a:t>1/29/2026</a:t>
             </a:fld>
-            <a:endParaRPr lang="en-US"/>
+            <a:endParaRPr lang="en-US" dirty="0"/>
           </a:p>
         </p:txBody>
       </p:sp>
@@ -1377,7 +1400,7 @@
           <a:bodyPr/>
           <a:lstStyle/>
           <a:p>
-            <a:endParaRPr lang="en-US"/>
+            <a:endParaRPr lang="en-US" dirty="0"/>
           </a:p>
         </p:txBody>
       </p:sp>
@@ -1401,7 +1424,7 @@
               <a:pPr/>
               <a:t>‹#›</a:t>
             </a:fld>
-            <a:endParaRPr lang="en-US"/>
+            <a:endParaRPr lang="en-US" dirty="0"/>
           </a:p>
         </p:txBody>
       </p:sp>
@@ -1775,9 +1798,9 @@
             <a:fld id="{1D8BD707-D9CF-40AE-B4C6-C98DA3205C09}" type="datetimeFigureOut">
               <a:rPr lang="en-US" smtClean="0"/>
               <a:pPr/>
-              <a:t>8/1/2011</a:t>
+              <a:t>1/29/2026</a:t>
             </a:fld>
-            <a:endParaRPr lang="en-US"/>
+            <a:endParaRPr lang="en-US" dirty="0"/>
           </a:p>
         </p:txBody>
       </p:sp>
@@ -1796,7 +1819,7 @@
           <a:bodyPr/>
           <a:lstStyle/>
           <a:p>
-            <a:endParaRPr lang="en-US"/>
+            <a:endParaRPr lang="en-US" dirty="0"/>
           </a:p>
         </p:txBody>
       </p:sp>
@@ -1820,7 +1843,7 @@
               <a:pPr/>
               <a:t>‹#›</a:t>
             </a:fld>
-            <a:endParaRPr lang="en-US"/>
+            <a:endParaRPr lang="en-US" dirty="0"/>
           </a:p>
         </p:txBody>
       </p:sp>
@@ -1890,9 +1913,9 @@
             <a:fld id="{1D8BD707-D9CF-40AE-B4C6-C98DA3205C09}" type="datetimeFigureOut">
               <a:rPr lang="en-US" smtClean="0"/>
               <a:pPr/>
-              <a:t>8/1/2011</a:t>
+              <a:t>1/29/2026</a:t>
             </a:fld>
-            <a:endParaRPr lang="en-US"/>
+            <a:endParaRPr lang="en-US" dirty="0"/>
           </a:p>
         </p:txBody>
       </p:sp>
@@ -1911,7 +1934,7 @@
           <a:bodyPr/>
           <a:lstStyle/>
           <a:p>
-            <a:endParaRPr lang="en-US"/>
+            <a:endParaRPr lang="en-US" dirty="0"/>
           </a:p>
         </p:txBody>
       </p:sp>
@@ -1935,7 +1958,7 @@
               <a:pPr/>
               <a:t>‹#›</a:t>
             </a:fld>
-            <a:endParaRPr lang="en-US"/>
+            <a:endParaRPr lang="en-US" dirty="0"/>
           </a:p>
         </p:txBody>
       </p:sp>
@@ -1982,9 +2005,9 @@
             <a:fld id="{1D8BD707-D9CF-40AE-B4C6-C98DA3205C09}" type="datetimeFigureOut">
               <a:rPr lang="en-US" smtClean="0"/>
               <a:pPr/>
-              <a:t>8/1/2011</a:t>
+              <a:t>1/29/2026</a:t>
             </a:fld>
-            <a:endParaRPr lang="en-US"/>
+            <a:endParaRPr lang="en-US" dirty="0"/>
           </a:p>
         </p:txBody>
       </p:sp>
@@ -2003,7 +2026,7 @@
           <a:bodyPr/>
           <a:lstStyle/>
           <a:p>
-            <a:endParaRPr lang="en-US"/>
+            <a:endParaRPr lang="en-US" dirty="0"/>
           </a:p>
         </p:txBody>
       </p:sp>
@@ -2027,7 +2050,7 @@
               <a:pPr/>
               <a:t>‹#›</a:t>
             </a:fld>
-            <a:endParaRPr lang="en-US"/>
+            <a:endParaRPr lang="en-US" dirty="0"/>
           </a:p>
         </p:txBody>
       </p:sp>
@@ -2256,9 +2279,9 @@
             <a:fld id="{1D8BD707-D9CF-40AE-B4C6-C98DA3205C09}" type="datetimeFigureOut">
               <a:rPr lang="en-US" smtClean="0"/>
               <a:pPr/>
-              <a:t>8/1/2011</a:t>
+              <a:t>1/29/2026</a:t>
             </a:fld>
-            <a:endParaRPr lang="en-US"/>
+            <a:endParaRPr lang="en-US" dirty="0"/>
           </a:p>
         </p:txBody>
       </p:sp>
@@ -2277,7 +2300,7 @@
           <a:bodyPr/>
           <a:lstStyle/>
           <a:p>
-            <a:endParaRPr lang="en-US"/>
+            <a:endParaRPr lang="en-US" dirty="0"/>
           </a:p>
         </p:txBody>
       </p:sp>
@@ -2301,7 +2324,7 @@
               <a:pPr/>
               <a:t>‹#›</a:t>
             </a:fld>
-            <a:endParaRPr lang="en-US"/>
+            <a:endParaRPr lang="en-US" dirty="0"/>
           </a:p>
         </p:txBody>
       </p:sp>
@@ -2419,7 +2442,7 @@
             </a:lvl9pPr>
           </a:lstStyle>
           <a:p>
-            <a:endParaRPr lang="en-US"/>
+            <a:endParaRPr lang="en-US" dirty="0"/>
           </a:p>
         </p:txBody>
       </p:sp>
@@ -2506,9 +2529,9 @@
             <a:fld id="{1D8BD707-D9CF-40AE-B4C6-C98DA3205C09}" type="datetimeFigureOut">
               <a:rPr lang="en-US" smtClean="0"/>
               <a:pPr/>
-              <a:t>8/1/2011</a:t>
+              <a:t>1/29/2026</a:t>
             </a:fld>
-            <a:endParaRPr lang="en-US"/>
+            <a:endParaRPr lang="en-US" dirty="0"/>
           </a:p>
         </p:txBody>
       </p:sp>
@@ -2527,7 +2550,7 @@
           <a:bodyPr/>
           <a:lstStyle/>
           <a:p>
-            <a:endParaRPr lang="en-US"/>
+            <a:endParaRPr lang="en-US" dirty="0"/>
           </a:p>
         </p:txBody>
       </p:sp>
@@ -2551,7 +2574,7 @@
               <a:pPr/>
               <a:t>‹#›</a:t>
             </a:fld>
-            <a:endParaRPr lang="en-US"/>
+            <a:endParaRPr lang="en-US" dirty="0"/>
           </a:p>
         </p:txBody>
       </p:sp>
@@ -2716,9 +2739,9 @@
             <a:fld id="{1D8BD707-D9CF-40AE-B4C6-C98DA3205C09}" type="datetimeFigureOut">
               <a:rPr lang="en-US" smtClean="0"/>
               <a:pPr/>
-              <a:t>8/1/2011</a:t>
+              <a:t>1/29/2026</a:t>
             </a:fld>
-            <a:endParaRPr lang="en-US"/>
+            <a:endParaRPr lang="en-US" dirty="0"/>
           </a:p>
         </p:txBody>
       </p:sp>
@@ -2755,7 +2778,7 @@
             </a:lvl1pPr>
           </a:lstStyle>
           <a:p>
-            <a:endParaRPr lang="en-US"/>
+            <a:endParaRPr lang="en-US" dirty="0"/>
           </a:p>
         </p:txBody>
       </p:sp>
@@ -2797,7 +2820,7 @@
               <a:pPr/>
               <a:t>‹#›</a:t>
             </a:fld>
-            <a:endParaRPr lang="en-US"/>
+            <a:endParaRPr lang="en-US" dirty="0"/>
           </a:p>
         </p:txBody>
       </p:sp>
@@ -3071,13 +3094,14 @@
 </file>
 
 <file path=ppt/slides/slide1.xml><?xml version="1.0" encoding="utf-8"?>
-<p:sld xmlns:p="http://schemas.openxmlformats.org/presentationml/2006/main" xmlns:a="http://schemas.openxmlformats.org/drawingml/2006/main" xmlns:r="http://schemas.openxmlformats.org/officeDocument/2006/relationships">
+<p:sld xmlns:a="http://schemas.openxmlformats.org/drawingml/2006/main" xmlns:r="http://schemas.openxmlformats.org/officeDocument/2006/relationships" xmlns:p="http://schemas.openxmlformats.org/presentationml/2006/main">
   <p:cSld>
     <p:bg>
       <p:bgPr>
         <a:solidFill>
           <a:srgbClr val="FFECEF"/>
         </a:solidFill>
+        <a:effectLst/>
       </p:bgPr>
     </p:bg>
     <p:spTree>
@@ -3096,12 +3120,12 @@
       </p:grpSpPr>
       <p:sp>
         <p:nvSpPr>
-          <p:cNvPr name="TextBox 2" id="2"/>
-          <p:cNvSpPr txBox="true"/>
+          <p:cNvPr id="2" name="TextBox 2"/>
+          <p:cNvSpPr txBox="1"/>
           <p:nvPr/>
         </p:nvSpPr>
         <p:spPr>
-          <a:xfrm rot="0">
+          <a:xfrm>
             <a:off x="3402607" y="2487240"/>
             <a:ext cx="11482787" cy="4553852"/>
           </a:xfrm>
@@ -3110,7 +3134,7 @@
           </a:prstGeom>
         </p:spPr>
         <p:txBody>
-          <a:bodyPr anchor="t" rtlCol="false" tIns="0" lIns="0" bIns="0" rIns="0">
+          <a:bodyPr lIns="0" tIns="0" rIns="0" bIns="0" rtlCol="0" anchor="t">
             <a:spAutoFit/>
           </a:bodyPr>
           <a:lstStyle/>
@@ -3121,7 +3145,7 @@
               </a:lnSpc>
             </a:pPr>
             <a:r>
-              <a:rPr lang="en-US" sz="17965">
+              <a:rPr lang="en-US" sz="17965" dirty="0">
                 <a:solidFill>
                   <a:srgbClr val="C1314C"/>
                 </a:solidFill>
@@ -3140,7 +3164,7 @@
               </a:lnSpc>
             </a:pPr>
             <a:r>
-              <a:rPr lang="en-US" sz="17965">
+              <a:rPr lang="en-US" sz="17965" dirty="0">
                 <a:solidFill>
                   <a:srgbClr val="C1314C"/>
                 </a:solidFill>
@@ -3156,12 +3180,12 @@
       </p:sp>
       <p:sp>
         <p:nvSpPr>
-          <p:cNvPr name="Freeform 3" id="3"/>
+          <p:cNvPr id="3" name="Freeform 3"/>
           <p:cNvSpPr/>
           <p:nvPr/>
         </p:nvSpPr>
         <p:spPr>
-          <a:xfrm flipH="false" flipV="false" rot="0">
+          <a:xfrm>
             <a:off x="-523061" y="6541875"/>
             <a:ext cx="4099837" cy="4114800"/>
           </a:xfrm>
@@ -3170,9 +3194,9 @@
             <a:gdLst/>
             <a:ahLst/>
             <a:cxnLst/>
-            <a:rect r="r" b="b" t="t" l="l"/>
+            <a:rect l="l" t="t" r="r" b="b"/>
             <a:pathLst>
-              <a:path h="4114800" w="4099837">
+              <a:path w="4099837" h="4114800">
                 <a:moveTo>
                   <a:pt x="0" y="0"/>
                 </a:moveTo>
@@ -3196,24 +3220,24 @@
             <a:blip r:embed="rId2">
               <a:extLst>
                 <a:ext uri="{96DAC541-7B7A-43D3-8B79-37D633B846F1}">
-                  <asvg:svgBlip xmlns:asvg="http://schemas.microsoft.com/office/drawing/2016/SVG/main" r:embed="rId3"/>
+                  <asvg:svgBlip xmlns:asvg="http://schemas.microsoft.com/office/drawing/2016/SVG/main" xmlns="" r:embed="rId3"/>
                 </a:ext>
               </a:extLst>
             </a:blip>
             <a:stretch>
-              <a:fillRect l="0" t="0" r="0" b="0"/>
+              <a:fillRect/>
             </a:stretch>
           </a:blipFill>
         </p:spPr>
       </p:sp>
       <p:sp>
         <p:nvSpPr>
-          <p:cNvPr name="Freeform 4" id="4"/>
+          <p:cNvPr id="4" name="Freeform 4"/>
           <p:cNvSpPr/>
           <p:nvPr/>
         </p:nvSpPr>
         <p:spPr>
-          <a:xfrm flipH="false" flipV="false" rot="-1861447">
+          <a:xfrm rot="-1861447">
             <a:off x="14428604" y="4873673"/>
             <a:ext cx="5189182" cy="5415655"/>
           </a:xfrm>
@@ -3222,9 +3246,9 @@
             <a:gdLst/>
             <a:ahLst/>
             <a:cxnLst/>
-            <a:rect r="r" b="b" t="t" l="l"/>
+            <a:rect l="l" t="t" r="r" b="b"/>
             <a:pathLst>
-              <a:path h="5415655" w="5189182">
+              <a:path w="5189182" h="5415655">
                 <a:moveTo>
                   <a:pt x="0" y="0"/>
                 </a:moveTo>
@@ -3248,24 +3272,24 @@
             <a:blip r:embed="rId4">
               <a:extLst>
                 <a:ext uri="{96DAC541-7B7A-43D3-8B79-37D633B846F1}">
-                  <asvg:svgBlip xmlns:asvg="http://schemas.microsoft.com/office/drawing/2016/SVG/main" r:embed="rId5"/>
+                  <asvg:svgBlip xmlns:asvg="http://schemas.microsoft.com/office/drawing/2016/SVG/main" xmlns="" r:embed="rId5"/>
                 </a:ext>
               </a:extLst>
             </a:blip>
             <a:stretch>
-              <a:fillRect l="0" t="0" r="0" b="0"/>
+              <a:fillRect/>
             </a:stretch>
           </a:blipFill>
         </p:spPr>
       </p:sp>
       <p:sp>
         <p:nvSpPr>
-          <p:cNvPr name="Freeform 5" id="5"/>
+          <p:cNvPr id="5" name="Freeform 5"/>
           <p:cNvSpPr/>
           <p:nvPr/>
         </p:nvSpPr>
         <p:spPr>
-          <a:xfrm flipH="false" flipV="false" rot="0">
+          <a:xfrm>
             <a:off x="9144000" y="7770896"/>
             <a:ext cx="5533350" cy="4114800"/>
           </a:xfrm>
@@ -3274,9 +3298,9 @@
             <a:gdLst/>
             <a:ahLst/>
             <a:cxnLst/>
-            <a:rect r="r" b="b" t="t" l="l"/>
+            <a:rect l="l" t="t" r="r" b="b"/>
             <a:pathLst>
-              <a:path h="4114800" w="5533350">
+              <a:path w="5533350" h="4114800">
                 <a:moveTo>
                   <a:pt x="0" y="0"/>
                 </a:moveTo>
@@ -3300,24 +3324,24 @@
             <a:blip r:embed="rId6">
               <a:extLst>
                 <a:ext uri="{96DAC541-7B7A-43D3-8B79-37D633B846F1}">
-                  <asvg:svgBlip xmlns:asvg="http://schemas.microsoft.com/office/drawing/2016/SVG/main" r:embed="rId7"/>
+                  <asvg:svgBlip xmlns:asvg="http://schemas.microsoft.com/office/drawing/2016/SVG/main" xmlns="" r:embed="rId7"/>
                 </a:ext>
               </a:extLst>
             </a:blip>
             <a:stretch>
-              <a:fillRect l="0" t="0" r="0" b="0"/>
+              <a:fillRect/>
             </a:stretch>
           </a:blipFill>
         </p:spPr>
       </p:sp>
       <p:sp>
         <p:nvSpPr>
-          <p:cNvPr name="Freeform 6" id="6"/>
+          <p:cNvPr id="6" name="Freeform 6"/>
           <p:cNvSpPr/>
           <p:nvPr/>
         </p:nvSpPr>
         <p:spPr>
-          <a:xfrm flipH="false" flipV="false" rot="5954939">
+          <a:xfrm rot="5954939">
             <a:off x="5042893" y="7725734"/>
             <a:ext cx="2843035" cy="3636440"/>
           </a:xfrm>
@@ -3326,9 +3350,9 @@
             <a:gdLst/>
             <a:ahLst/>
             <a:cxnLst/>
-            <a:rect r="r" b="b" t="t" l="l"/>
+            <a:rect l="l" t="t" r="r" b="b"/>
             <a:pathLst>
-              <a:path h="3636440" w="2843035">
+              <a:path w="2843035" h="3636440">
                 <a:moveTo>
                   <a:pt x="0" y="0"/>
                 </a:moveTo>
@@ -3352,24 +3376,24 @@
             <a:blip r:embed="rId8">
               <a:extLst>
                 <a:ext uri="{96DAC541-7B7A-43D3-8B79-37D633B846F1}">
-                  <asvg:svgBlip xmlns:asvg="http://schemas.microsoft.com/office/drawing/2016/SVG/main" r:embed="rId9"/>
+                  <asvg:svgBlip xmlns:asvg="http://schemas.microsoft.com/office/drawing/2016/SVG/main" xmlns="" r:embed="rId9"/>
                 </a:ext>
               </a:extLst>
             </a:blip>
             <a:stretch>
-              <a:fillRect l="0" t="0" r="0" b="0"/>
+              <a:fillRect/>
             </a:stretch>
           </a:blipFill>
         </p:spPr>
       </p:sp>
       <p:sp>
         <p:nvSpPr>
-          <p:cNvPr name="Freeform 7" id="7"/>
+          <p:cNvPr id="7" name="Freeform 7"/>
           <p:cNvSpPr/>
           <p:nvPr/>
         </p:nvSpPr>
         <p:spPr>
-          <a:xfrm flipH="false" flipV="false" rot="0">
+          <a:xfrm>
             <a:off x="3873637" y="-2399085"/>
             <a:ext cx="4754496" cy="4114800"/>
           </a:xfrm>
@@ -3378,9 +3402,9 @@
             <a:gdLst/>
             <a:ahLst/>
             <a:cxnLst/>
-            <a:rect r="r" b="b" t="t" l="l"/>
+            <a:rect l="l" t="t" r="r" b="b"/>
             <a:pathLst>
-              <a:path h="4114800" w="4754496">
+              <a:path w="4754496" h="4114800">
                 <a:moveTo>
                   <a:pt x="0" y="0"/>
                 </a:moveTo>
@@ -3404,24 +3428,24 @@
             <a:blip r:embed="rId10">
               <a:extLst>
                 <a:ext uri="{96DAC541-7B7A-43D3-8B79-37D633B846F1}">
-                  <asvg:svgBlip xmlns:asvg="http://schemas.microsoft.com/office/drawing/2016/SVG/main" r:embed="rId11"/>
+                  <asvg:svgBlip xmlns:asvg="http://schemas.microsoft.com/office/drawing/2016/SVG/main" xmlns="" r:embed="rId11"/>
                 </a:ext>
               </a:extLst>
             </a:blip>
             <a:stretch>
-              <a:fillRect l="0" t="0" r="0" b="0"/>
+              <a:fillRect/>
             </a:stretch>
           </a:blipFill>
         </p:spPr>
       </p:sp>
       <p:sp>
         <p:nvSpPr>
-          <p:cNvPr name="Freeform 8" id="8"/>
+          <p:cNvPr id="8" name="Freeform 8"/>
           <p:cNvSpPr/>
           <p:nvPr/>
         </p:nvSpPr>
         <p:spPr>
-          <a:xfrm flipH="false" flipV="false" rot="0">
+          <a:xfrm>
             <a:off x="10987175" y="-822989"/>
             <a:ext cx="2263087" cy="2894647"/>
           </a:xfrm>
@@ -3430,9 +3454,9 @@
             <a:gdLst/>
             <a:ahLst/>
             <a:cxnLst/>
-            <a:rect r="r" b="b" t="t" l="l"/>
+            <a:rect l="l" t="t" r="r" b="b"/>
             <a:pathLst>
-              <a:path h="2894647" w="2263087">
+              <a:path w="2263087" h="2894647">
                 <a:moveTo>
                   <a:pt x="0" y="0"/>
                 </a:moveTo>
@@ -3456,24 +3480,24 @@
             <a:blip r:embed="rId12">
               <a:extLst>
                 <a:ext uri="{96DAC541-7B7A-43D3-8B79-37D633B846F1}">
-                  <asvg:svgBlip xmlns:asvg="http://schemas.microsoft.com/office/drawing/2016/SVG/main" r:embed="rId13"/>
+                  <asvg:svgBlip xmlns:asvg="http://schemas.microsoft.com/office/drawing/2016/SVG/main" xmlns="" r:embed="rId13"/>
                 </a:ext>
               </a:extLst>
             </a:blip>
             <a:stretch>
-              <a:fillRect l="0" t="0" r="0" b="0"/>
+              <a:fillRect/>
             </a:stretch>
           </a:blipFill>
         </p:spPr>
       </p:sp>
       <p:sp>
         <p:nvSpPr>
-          <p:cNvPr name="Freeform 9" id="9"/>
+          <p:cNvPr id="9" name="Freeform 9"/>
           <p:cNvSpPr/>
           <p:nvPr/>
         </p:nvSpPr>
         <p:spPr>
-          <a:xfrm flipH="false" flipV="false" rot="788334">
+          <a:xfrm rot="788334">
             <a:off x="-882232" y="14258"/>
             <a:ext cx="4343839" cy="4114800"/>
           </a:xfrm>
@@ -3482,9 +3506,9 @@
             <a:gdLst/>
             <a:ahLst/>
             <a:cxnLst/>
-            <a:rect r="r" b="b" t="t" l="l"/>
+            <a:rect l="l" t="t" r="r" b="b"/>
             <a:pathLst>
-              <a:path h="4114800" w="4343839">
+              <a:path w="4343839" h="4114800">
                 <a:moveTo>
                   <a:pt x="0" y="0"/>
                 </a:moveTo>
@@ -3508,24 +3532,24 @@
             <a:blip r:embed="rId14">
               <a:extLst>
                 <a:ext uri="{96DAC541-7B7A-43D3-8B79-37D633B846F1}">
-                  <asvg:svgBlip xmlns:asvg="http://schemas.microsoft.com/office/drawing/2016/SVG/main" r:embed="rId15"/>
+                  <asvg:svgBlip xmlns:asvg="http://schemas.microsoft.com/office/drawing/2016/SVG/main" xmlns="" r:embed="rId15"/>
                 </a:ext>
               </a:extLst>
             </a:blip>
             <a:stretch>
-              <a:fillRect l="0" t="0" r="0" b="0"/>
+              <a:fillRect/>
             </a:stretch>
           </a:blipFill>
         </p:spPr>
       </p:sp>
       <p:sp>
         <p:nvSpPr>
-          <p:cNvPr name="Freeform 10" id="10"/>
+          <p:cNvPr id="10" name="Freeform 10"/>
           <p:cNvSpPr/>
           <p:nvPr/>
         </p:nvSpPr>
         <p:spPr>
-          <a:xfrm flipH="false" flipV="false" rot="-1404291">
+          <a:xfrm rot="-1404291">
             <a:off x="15292195" y="-836436"/>
             <a:ext cx="3462000" cy="4920155"/>
           </a:xfrm>
@@ -3534,9 +3558,9 @@
             <a:gdLst/>
             <a:ahLst/>
             <a:cxnLst/>
-            <a:rect r="r" b="b" t="t" l="l"/>
+            <a:rect l="l" t="t" r="r" b="b"/>
             <a:pathLst>
-              <a:path h="4920155" w="3462000">
+              <a:path w="3462000" h="4920155">
                 <a:moveTo>
                   <a:pt x="0" y="0"/>
                 </a:moveTo>
@@ -3560,24 +3584,24 @@
             <a:blip r:embed="rId16">
               <a:extLst>
                 <a:ext uri="{96DAC541-7B7A-43D3-8B79-37D633B846F1}">
-                  <asvg:svgBlip xmlns:asvg="http://schemas.microsoft.com/office/drawing/2016/SVG/main" r:embed="rId17"/>
+                  <asvg:svgBlip xmlns:asvg="http://schemas.microsoft.com/office/drawing/2016/SVG/main" xmlns="" r:embed="rId17"/>
                 </a:ext>
               </a:extLst>
             </a:blip>
             <a:stretch>
-              <a:fillRect l="0" t="0" r="0" b="0"/>
+              <a:fillRect/>
             </a:stretch>
           </a:blipFill>
         </p:spPr>
       </p:sp>
       <p:sp>
         <p:nvSpPr>
-          <p:cNvPr name="TextBox 11" id="11"/>
-          <p:cNvSpPr txBox="true"/>
+          <p:cNvPr id="11" name="TextBox 11"/>
+          <p:cNvSpPr txBox="1"/>
           <p:nvPr/>
         </p:nvSpPr>
         <p:spPr>
-          <a:xfrm rot="0">
+          <a:xfrm>
             <a:off x="4729301" y="6698392"/>
             <a:ext cx="8829398" cy="1043929"/>
           </a:xfrm>
@@ -3586,7 +3610,7 @@
           </a:prstGeom>
         </p:spPr>
         <p:txBody>
-          <a:bodyPr anchor="t" rtlCol="false" tIns="0" lIns="0" bIns="0" rIns="0">
+          <a:bodyPr lIns="0" tIns="0" rIns="0" bIns="0" rtlCol="0" anchor="t">
             <a:spAutoFit/>
           </a:bodyPr>
           <a:lstStyle/>
@@ -3597,7 +3621,7 @@
               </a:lnSpc>
             </a:pPr>
             <a:r>
-              <a:rPr lang="en-US" sz="6150" spc="67">
+              <a:rPr lang="en-US" sz="6150" spc="67" dirty="0">
                 <a:solidFill>
                   <a:srgbClr val="000000"/>
                 </a:solidFill>
@@ -3616,17 +3640,25 @@
   <p:clrMapOvr>
     <a:masterClrMapping/>
   </p:clrMapOvr>
+  <p:timing>
+    <p:tnLst>
+      <p:par>
+        <p:cTn id="1" dur="indefinite" restart="never" nodeType="tmRoot"/>
+      </p:par>
+    </p:tnLst>
+  </p:timing>
 </p:sld>
 </file>
 
 <file path=ppt/slides/slide2.xml><?xml version="1.0" encoding="utf-8"?>
-<p:sld xmlns:p="http://schemas.openxmlformats.org/presentationml/2006/main" xmlns:a="http://schemas.openxmlformats.org/drawingml/2006/main" xmlns:r="http://schemas.openxmlformats.org/officeDocument/2006/relationships">
+<p:sld xmlns:a="http://schemas.openxmlformats.org/drawingml/2006/main" xmlns:r="http://schemas.openxmlformats.org/officeDocument/2006/relationships" xmlns:p="http://schemas.openxmlformats.org/presentationml/2006/main">
   <p:cSld>
     <p:bg>
       <p:bgPr>
         <a:solidFill>
           <a:srgbClr val="FFECEF"/>
         </a:solidFill>
+        <a:effectLst/>
       </p:bgPr>
     </p:bg>
     <p:spTree>
@@ -3645,12 +3677,12 @@
       </p:grpSpPr>
       <p:grpSp>
         <p:nvGrpSpPr>
-          <p:cNvPr name="Group 2" id="2"/>
+          <p:cNvPr id="2" name="Group 2"/>
           <p:cNvGrpSpPr/>
           <p:nvPr/>
         </p:nvGrpSpPr>
         <p:grpSpPr>
-          <a:xfrm rot="0">
+          <a:xfrm>
             <a:off x="3561329" y="5493670"/>
             <a:ext cx="11165341" cy="1543050"/>
             <a:chOff x="0" y="0"/>
@@ -3659,12 +3691,12 @@
         </p:grpSpPr>
         <p:sp>
           <p:nvSpPr>
-            <p:cNvPr name="Freeform 3" id="3"/>
+            <p:cNvPr id="3" name="Freeform 3"/>
             <p:cNvSpPr/>
             <p:nvPr/>
           </p:nvSpPr>
           <p:spPr>
-            <a:xfrm flipH="false" flipV="false" rot="0">
+            <a:xfrm>
               <a:off x="0" y="0"/>
               <a:ext cx="2940666" cy="406400"/>
             </a:xfrm>
@@ -3673,9 +3705,9 @@
               <a:gdLst/>
               <a:ahLst/>
               <a:cxnLst/>
-              <a:rect r="r" b="b" t="t" l="l"/>
+              <a:rect l="l" t="t" r="r" b="b"/>
               <a:pathLst>
-                <a:path h="406400" w="2940666">
+                <a:path w="2940666" h="406400">
                   <a:moveTo>
                     <a:pt x="35103" y="0"/>
                   </a:moveTo>
@@ -3722,8 +3754,8 @@
         </p:sp>
         <p:sp>
           <p:nvSpPr>
-            <p:cNvPr name="TextBox 4" id="4"/>
-            <p:cNvSpPr txBox="true"/>
+            <p:cNvPr id="4" name="TextBox 4"/>
+            <p:cNvSpPr txBox="1"/>
             <p:nvPr/>
           </p:nvSpPr>
           <p:spPr>
@@ -3736,7 +3768,7 @@
             </a:prstGeom>
           </p:spPr>
           <p:txBody>
-            <a:bodyPr anchor="ctr" rtlCol="false" tIns="50800" lIns="50800" bIns="50800" rIns="50800"/>
+            <a:bodyPr lIns="50800" tIns="50800" rIns="50800" bIns="50800" rtlCol="0" anchor="ctr"/>
             <a:lstStyle/>
             <a:p>
               <a:pPr algn="ctr">
@@ -3747,18 +3779,19 @@
                   <a:spcPct val="0"/>
                 </a:spcBef>
               </a:pPr>
+              <a:endParaRPr dirty="0"/>
             </a:p>
           </p:txBody>
         </p:sp>
       </p:grpSp>
       <p:sp>
         <p:nvSpPr>
-          <p:cNvPr name="TextBox 5" id="5"/>
-          <p:cNvSpPr txBox="true"/>
+          <p:cNvPr id="5" name="TextBox 5"/>
+          <p:cNvSpPr txBox="1"/>
           <p:nvPr/>
         </p:nvSpPr>
         <p:spPr>
-          <a:xfrm rot="0">
+          <a:xfrm>
             <a:off x="4307734" y="5495576"/>
             <a:ext cx="9672533" cy="1386839"/>
           </a:xfrm>
@@ -3767,7 +3800,7 @@
           </a:prstGeom>
         </p:spPr>
         <p:txBody>
-          <a:bodyPr anchor="t" rtlCol="false" tIns="0" lIns="0" bIns="0" rIns="0">
+          <a:bodyPr lIns="0" tIns="0" rIns="0" bIns="0" rtlCol="0" anchor="t">
             <a:spAutoFit/>
           </a:bodyPr>
           <a:lstStyle/>
@@ -3778,7 +3811,7 @@
               </a:lnSpc>
             </a:pPr>
             <a:r>
-              <a:rPr lang="en-US" sz="8167" spc="89">
+              <a:rPr lang="en-US" sz="8167" spc="89" dirty="0">
                 <a:solidFill>
                   <a:srgbClr val="FFECEF"/>
                 </a:solidFill>
@@ -3794,12 +3827,12 @@
       </p:sp>
       <p:grpSp>
         <p:nvGrpSpPr>
-          <p:cNvPr name="Group 6" id="6"/>
+          <p:cNvPr id="6" name="Group 6"/>
           <p:cNvGrpSpPr/>
           <p:nvPr/>
         </p:nvGrpSpPr>
         <p:grpSpPr>
-          <a:xfrm rot="0">
+          <a:xfrm>
             <a:off x="3561329" y="3096138"/>
             <a:ext cx="11165341" cy="1543050"/>
             <a:chOff x="0" y="0"/>
@@ -3808,12 +3841,12 @@
         </p:grpSpPr>
         <p:sp>
           <p:nvSpPr>
-            <p:cNvPr name="Freeform 7" id="7"/>
+            <p:cNvPr id="7" name="Freeform 7"/>
             <p:cNvSpPr/>
             <p:nvPr/>
           </p:nvSpPr>
           <p:spPr>
-            <a:xfrm flipH="false" flipV="false" rot="0">
+            <a:xfrm>
               <a:off x="0" y="0"/>
               <a:ext cx="2940666" cy="406400"/>
             </a:xfrm>
@@ -3822,9 +3855,9 @@
               <a:gdLst/>
               <a:ahLst/>
               <a:cxnLst/>
-              <a:rect r="r" b="b" t="t" l="l"/>
+              <a:rect l="l" t="t" r="r" b="b"/>
               <a:pathLst>
-                <a:path h="406400" w="2940666">
+                <a:path w="2940666" h="406400">
                   <a:moveTo>
                     <a:pt x="35103" y="0"/>
                   </a:moveTo>
@@ -3871,8 +3904,8 @@
         </p:sp>
         <p:sp>
           <p:nvSpPr>
-            <p:cNvPr name="TextBox 8" id="8"/>
-            <p:cNvSpPr txBox="true"/>
+            <p:cNvPr id="8" name="TextBox 8"/>
+            <p:cNvSpPr txBox="1"/>
             <p:nvPr/>
           </p:nvSpPr>
           <p:spPr>
@@ -3885,7 +3918,7 @@
             </a:prstGeom>
           </p:spPr>
           <p:txBody>
-            <a:bodyPr anchor="ctr" rtlCol="false" tIns="50800" lIns="50800" bIns="50800" rIns="50800"/>
+            <a:bodyPr lIns="50800" tIns="50800" rIns="50800" bIns="50800" rtlCol="0" anchor="ctr"/>
             <a:lstStyle/>
             <a:p>
               <a:pPr algn="ctr">
@@ -3896,18 +3929,19 @@
                   <a:spcPct val="0"/>
                 </a:spcBef>
               </a:pPr>
+              <a:endParaRPr dirty="0"/>
             </a:p>
           </p:txBody>
         </p:sp>
       </p:grpSp>
       <p:sp>
         <p:nvSpPr>
-          <p:cNvPr name="TextBox 9" id="9"/>
-          <p:cNvSpPr txBox="true"/>
+          <p:cNvPr id="9" name="TextBox 9"/>
+          <p:cNvSpPr txBox="1"/>
           <p:nvPr/>
         </p:nvSpPr>
         <p:spPr>
-          <a:xfrm rot="0">
+          <a:xfrm>
             <a:off x="4307734" y="3126691"/>
             <a:ext cx="9672533" cy="1392757"/>
           </a:xfrm>
@@ -3916,7 +3950,7 @@
           </a:prstGeom>
         </p:spPr>
         <p:txBody>
-          <a:bodyPr anchor="t" rtlCol="false" tIns="0" lIns="0" bIns="0" rIns="0">
+          <a:bodyPr lIns="0" tIns="0" rIns="0" bIns="0" rtlCol="0" anchor="t">
             <a:spAutoFit/>
           </a:bodyPr>
           <a:lstStyle/>
@@ -3927,7 +3961,7 @@
               </a:lnSpc>
             </a:pPr>
             <a:r>
-              <a:rPr lang="en-US" sz="8167" spc="89">
+              <a:rPr lang="en-US" sz="8167" spc="89" dirty="0">
                 <a:solidFill>
                   <a:srgbClr val="FFECEF"/>
                 </a:solidFill>
@@ -3943,21 +3977,21 @@
       </p:sp>
       <p:sp>
         <p:nvSpPr>
-          <p:cNvPr name="TextBox 10" id="10"/>
-          <p:cNvSpPr txBox="true"/>
+          <p:cNvPr id="10" name="TextBox 10"/>
+          <p:cNvSpPr txBox="1"/>
           <p:nvPr/>
         </p:nvSpPr>
         <p:spPr>
-          <a:xfrm rot="0">
+          <a:xfrm>
             <a:off x="6601871" y="1404244"/>
-            <a:ext cx="6545941" cy="834644"/>
+            <a:ext cx="6545941" cy="865622"/>
           </a:xfrm>
           <a:prstGeom prst="rect">
             <a:avLst/>
           </a:prstGeom>
         </p:spPr>
         <p:txBody>
-          <a:bodyPr anchor="t" rtlCol="false" tIns="0" lIns="0" bIns="0" rIns="0">
+          <a:bodyPr lIns="0" tIns="0" rIns="0" bIns="0" rtlCol="0" anchor="t">
             <a:spAutoFit/>
           </a:bodyPr>
           <a:lstStyle/>
@@ -3968,7 +4002,7 @@
               </a:lnSpc>
             </a:pPr>
             <a:r>
-              <a:rPr lang="en-US" sz="6399">
+              <a:rPr lang="en-US" sz="7000" dirty="0">
                 <a:solidFill>
                   <a:srgbClr val="C1314C"/>
                 </a:solidFill>
@@ -3984,12 +4018,12 @@
       </p:sp>
       <p:sp>
         <p:nvSpPr>
-          <p:cNvPr name="Freeform 11" id="11"/>
+          <p:cNvPr id="11" name="Freeform 11"/>
           <p:cNvSpPr/>
           <p:nvPr/>
         </p:nvSpPr>
         <p:spPr>
-          <a:xfrm flipH="false" flipV="false" rot="0">
+          <a:xfrm>
             <a:off x="14457414" y="7167805"/>
             <a:ext cx="4099837" cy="4114800"/>
           </a:xfrm>
@@ -3998,9 +4032,9 @@
             <a:gdLst/>
             <a:ahLst/>
             <a:cxnLst/>
-            <a:rect r="r" b="b" t="t" l="l"/>
+            <a:rect l="l" t="t" r="r" b="b"/>
             <a:pathLst>
-              <a:path h="4114800" w="4099837">
+              <a:path w="4099837" h="4114800">
                 <a:moveTo>
                   <a:pt x="0" y="0"/>
                 </a:moveTo>
@@ -4024,24 +4058,24 @@
             <a:blip r:embed="rId2">
               <a:extLst>
                 <a:ext uri="{96DAC541-7B7A-43D3-8B79-37D633B846F1}">
-                  <asvg:svgBlip xmlns:asvg="http://schemas.microsoft.com/office/drawing/2016/SVG/main" r:embed="rId3"/>
+                  <asvg:svgBlip xmlns:asvg="http://schemas.microsoft.com/office/drawing/2016/SVG/main" xmlns="" r:embed="rId3"/>
                 </a:ext>
               </a:extLst>
             </a:blip>
             <a:stretch>
-              <a:fillRect l="0" t="0" r="0" b="0"/>
+              <a:fillRect/>
             </a:stretch>
           </a:blipFill>
         </p:spPr>
       </p:sp>
       <p:sp>
         <p:nvSpPr>
-          <p:cNvPr name="Freeform 12" id="12"/>
+          <p:cNvPr id="12" name="Freeform 12"/>
           <p:cNvSpPr/>
           <p:nvPr/>
         </p:nvSpPr>
         <p:spPr>
-          <a:xfrm flipH="false" flipV="false" rot="-1861447">
+          <a:xfrm rot="-1861447">
             <a:off x="15217468" y="-717574"/>
             <a:ext cx="5189182" cy="5415655"/>
           </a:xfrm>
@@ -4050,9 +4084,9 @@
             <a:gdLst/>
             <a:ahLst/>
             <a:cxnLst/>
-            <a:rect r="r" b="b" t="t" l="l"/>
+            <a:rect l="l" t="t" r="r" b="b"/>
             <a:pathLst>
-              <a:path h="5415655" w="5189182">
+              <a:path w="5189182" h="5415655">
                 <a:moveTo>
                   <a:pt x="0" y="0"/>
                 </a:moveTo>
@@ -4076,24 +4110,24 @@
             <a:blip r:embed="rId4">
               <a:extLst>
                 <a:ext uri="{96DAC541-7B7A-43D3-8B79-37D633B846F1}">
-                  <asvg:svgBlip xmlns:asvg="http://schemas.microsoft.com/office/drawing/2016/SVG/main" r:embed="rId5"/>
+                  <asvg:svgBlip xmlns:asvg="http://schemas.microsoft.com/office/drawing/2016/SVG/main" xmlns="" r:embed="rId5"/>
                 </a:ext>
               </a:extLst>
             </a:blip>
             <a:stretch>
-              <a:fillRect l="0" t="0" r="0" b="0"/>
+              <a:fillRect/>
             </a:stretch>
           </a:blipFill>
         </p:spPr>
       </p:sp>
       <p:sp>
         <p:nvSpPr>
-          <p:cNvPr name="Freeform 13" id="13"/>
+          <p:cNvPr id="13" name="Freeform 13"/>
           <p:cNvSpPr/>
           <p:nvPr/>
         </p:nvSpPr>
         <p:spPr>
-          <a:xfrm flipH="false" flipV="false" rot="5954939">
+          <a:xfrm rot="5954939">
             <a:off x="8453324" y="8468780"/>
             <a:ext cx="2843035" cy="3636440"/>
           </a:xfrm>
@@ -4102,9 +4136,9 @@
             <a:gdLst/>
             <a:ahLst/>
             <a:cxnLst/>
-            <a:rect r="r" b="b" t="t" l="l"/>
+            <a:rect l="l" t="t" r="r" b="b"/>
             <a:pathLst>
-              <a:path h="3636440" w="2843035">
+              <a:path w="2843035" h="3636440">
                 <a:moveTo>
                   <a:pt x="0" y="0"/>
                 </a:moveTo>
@@ -4128,24 +4162,24 @@
             <a:blip r:embed="rId6">
               <a:extLst>
                 <a:ext uri="{96DAC541-7B7A-43D3-8B79-37D633B846F1}">
-                  <asvg:svgBlip xmlns:asvg="http://schemas.microsoft.com/office/drawing/2016/SVG/main" r:embed="rId7"/>
+                  <asvg:svgBlip xmlns:asvg="http://schemas.microsoft.com/office/drawing/2016/SVG/main" xmlns="" r:embed="rId7"/>
                 </a:ext>
               </a:extLst>
             </a:blip>
             <a:stretch>
-              <a:fillRect l="0" t="0" r="0" b="0"/>
+              <a:fillRect/>
             </a:stretch>
           </a:blipFill>
         </p:spPr>
       </p:sp>
       <p:sp>
         <p:nvSpPr>
-          <p:cNvPr name="Freeform 14" id="14"/>
+          <p:cNvPr id="14" name="Freeform 14"/>
           <p:cNvSpPr/>
           <p:nvPr/>
         </p:nvSpPr>
         <p:spPr>
-          <a:xfrm flipH="false" flipV="false" rot="0">
+          <a:xfrm>
             <a:off x="3281798" y="-667883"/>
             <a:ext cx="2263087" cy="2894647"/>
           </a:xfrm>
@@ -4154,9 +4188,9 @@
             <a:gdLst/>
             <a:ahLst/>
             <a:cxnLst/>
-            <a:rect r="r" b="b" t="t" l="l"/>
+            <a:rect l="l" t="t" r="r" b="b"/>
             <a:pathLst>
-              <a:path h="2894647" w="2263087">
+              <a:path w="2263087" h="2894647">
                 <a:moveTo>
                   <a:pt x="0" y="0"/>
                 </a:moveTo>
@@ -4180,24 +4214,24 @@
             <a:blip r:embed="rId8">
               <a:extLst>
                 <a:ext uri="{96DAC541-7B7A-43D3-8B79-37D633B846F1}">
-                  <asvg:svgBlip xmlns:asvg="http://schemas.microsoft.com/office/drawing/2016/SVG/main" r:embed="rId9"/>
+                  <asvg:svgBlip xmlns:asvg="http://schemas.microsoft.com/office/drawing/2016/SVG/main" xmlns="" r:embed="rId9"/>
                 </a:ext>
               </a:extLst>
             </a:blip>
             <a:stretch>
-              <a:fillRect l="0" t="0" r="0" b="0"/>
+              <a:fillRect/>
             </a:stretch>
           </a:blipFill>
         </p:spPr>
       </p:sp>
       <p:sp>
         <p:nvSpPr>
-          <p:cNvPr name="Freeform 15" id="15"/>
+          <p:cNvPr id="15" name="Freeform 15"/>
           <p:cNvSpPr/>
           <p:nvPr/>
         </p:nvSpPr>
         <p:spPr>
-          <a:xfrm flipH="false" flipV="false" rot="788334">
+          <a:xfrm rot="788334">
             <a:off x="-1796707" y="87338"/>
             <a:ext cx="4343839" cy="4114800"/>
           </a:xfrm>
@@ -4206,9 +4240,9 @@
             <a:gdLst/>
             <a:ahLst/>
             <a:cxnLst/>
-            <a:rect r="r" b="b" t="t" l="l"/>
+            <a:rect l="l" t="t" r="r" b="b"/>
             <a:pathLst>
-              <a:path h="4114800" w="4343839">
+              <a:path w="4343839" h="4114800">
                 <a:moveTo>
                   <a:pt x="0" y="0"/>
                 </a:moveTo>
@@ -4232,24 +4266,24 @@
             <a:blip r:embed="rId10">
               <a:extLst>
                 <a:ext uri="{96DAC541-7B7A-43D3-8B79-37D633B846F1}">
-                  <asvg:svgBlip xmlns:asvg="http://schemas.microsoft.com/office/drawing/2016/SVG/main" r:embed="rId11"/>
+                  <asvg:svgBlip xmlns:asvg="http://schemas.microsoft.com/office/drawing/2016/SVG/main" xmlns="" r:embed="rId11"/>
                 </a:ext>
               </a:extLst>
             </a:blip>
             <a:stretch>
-              <a:fillRect l="0" t="0" r="0" b="0"/>
+              <a:fillRect/>
             </a:stretch>
           </a:blipFill>
         </p:spPr>
       </p:sp>
       <p:sp>
         <p:nvSpPr>
-          <p:cNvPr name="Freeform 16" id="16"/>
+          <p:cNvPr id="16" name="Freeform 16"/>
           <p:cNvSpPr/>
           <p:nvPr/>
         </p:nvSpPr>
         <p:spPr>
-          <a:xfrm flipH="false" flipV="false" rot="-1404291">
+          <a:xfrm rot="-1404291">
             <a:off x="-208499" y="6298743"/>
             <a:ext cx="3462000" cy="4920155"/>
           </a:xfrm>
@@ -4258,9 +4292,9 @@
             <a:gdLst/>
             <a:ahLst/>
             <a:cxnLst/>
-            <a:rect r="r" b="b" t="t" l="l"/>
+            <a:rect l="l" t="t" r="r" b="b"/>
             <a:pathLst>
-              <a:path h="4920155" w="3462000">
+              <a:path w="3462000" h="4920155">
                 <a:moveTo>
                   <a:pt x="0" y="0"/>
                 </a:moveTo>
@@ -4284,12 +4318,12 @@
             <a:blip r:embed="rId12">
               <a:extLst>
                 <a:ext uri="{96DAC541-7B7A-43D3-8B79-37D633B846F1}">
-                  <asvg:svgBlip xmlns:asvg="http://schemas.microsoft.com/office/drawing/2016/SVG/main" r:embed="rId13"/>
+                  <asvg:svgBlip xmlns:asvg="http://schemas.microsoft.com/office/drawing/2016/SVG/main" xmlns="" r:embed="rId13"/>
                 </a:ext>
               </a:extLst>
             </a:blip>
             <a:stretch>
-              <a:fillRect l="0" t="0" r="0" b="0"/>
+              <a:fillRect/>
             </a:stretch>
           </a:blipFill>
         </p:spPr>
@@ -4299,17 +4333,25 @@
   <p:clrMapOvr>
     <a:masterClrMapping/>
   </p:clrMapOvr>
+  <p:timing>
+    <p:tnLst>
+      <p:par>
+        <p:cTn id="1" dur="indefinite" restart="never" nodeType="tmRoot"/>
+      </p:par>
+    </p:tnLst>
+  </p:timing>
 </p:sld>
 </file>
 
 <file path=ppt/slides/slide3.xml><?xml version="1.0" encoding="utf-8"?>
-<p:sld xmlns:p="http://schemas.openxmlformats.org/presentationml/2006/main" xmlns:a="http://schemas.openxmlformats.org/drawingml/2006/main">
+<p:sld xmlns:a="http://schemas.openxmlformats.org/drawingml/2006/main" xmlns:r="http://schemas.openxmlformats.org/officeDocument/2006/relationships" xmlns:p="http://schemas.openxmlformats.org/presentationml/2006/main">
   <p:cSld>
     <p:bg>
       <p:bgPr>
         <a:solidFill>
           <a:srgbClr val="FFECEF"/>
         </a:solidFill>
+        <a:effectLst/>
       </p:bgPr>
     </p:bg>
     <p:spTree>
@@ -4328,9 +4370,9 @@
       </p:grpSpPr>
       <p:graphicFrame>
         <p:nvGraphicFramePr>
-          <p:cNvPr name="Table 2" id="2"/>
+          <p:cNvPr id="2" name="Table 2"/>
           <p:cNvGraphicFramePr>
-            <a:graphicFrameLocks noGrp="true"/>
+            <a:graphicFrameLocks noGrp="1"/>
           </p:cNvGraphicFramePr>
           <p:nvPr/>
         </p:nvGraphicFramePr>
@@ -4343,13 +4385,25 @@
             <a:tbl>
               <a:tblPr/>
               <a:tblGrid>
-                <a:gridCol w="5693130"/>
-                <a:gridCol w="5674091"/>
+                <a:gridCol w="5693130">
+                  <a:extLst>
+                    <a:ext uri="{9D8B030D-6E8A-4147-A177-3AD203B41FA5}">
+                      <a16:colId xmlns:a16="http://schemas.microsoft.com/office/drawing/2014/main" val="20000"/>
+                    </a:ext>
+                  </a:extLst>
+                </a:gridCol>
+                <a:gridCol w="5674091">
+                  <a:extLst>
+                    <a:ext uri="{9D8B030D-6E8A-4147-A177-3AD203B41FA5}">
+                      <a16:colId xmlns:a16="http://schemas.microsoft.com/office/drawing/2014/main" val="20001"/>
+                    </a:ext>
+                  </a:extLst>
+                </a:gridCol>
               </a:tblGrid>
               <a:tr h="2603366">
                 <a:tc>
                   <a:txBody>
-                    <a:bodyPr anchor="t" rtlCol="false"/>
+                    <a:bodyPr/>
                     <a:lstStyle/>
                     <a:p>
                       <a:pPr algn="ctr">
@@ -4359,7 +4413,7 @@
                         <a:defRPr/>
                       </a:pPr>
                       <a:r>
-                        <a:rPr lang="en-US" b="true" sz="2499">
+                        <a:rPr lang="en-US" sz="2499" b="1" dirty="0">
                           <a:solidFill>
                             <a:srgbClr val="FEFEFE"/>
                           </a:solidFill>
@@ -4370,11 +4424,11 @@
                         </a:rPr>
                         <a:t>Что мы сделали?</a:t>
                       </a:r>
-                      <a:endParaRPr lang="en-US" sz="1100"/>
+                      <a:endParaRPr lang="en-US" sz="1100" dirty="0"/>
                     </a:p>
                   </a:txBody>
                   <a:tcPr marL="190500" marR="190500" marT="190500" marB="190500" anchor="ctr">
-                    <a:lnL cmpd="sng" algn="ctr" cap="flat" w="28575">
+                    <a:lnL w="28575" cap="flat" cmpd="sng" algn="ctr">
                       <a:solidFill>
                         <a:srgbClr val="94DDDE"/>
                       </a:solidFill>
@@ -4383,7 +4437,7 @@
                       <a:headEnd type="none" w="med" len="med"/>
                       <a:tailEnd type="none" w="med" len="med"/>
                     </a:lnL>
-                    <a:lnR cmpd="sng" algn="ctr" cap="flat" w="28575">
+                    <a:lnR w="28575" cap="flat" cmpd="sng" algn="ctr">
                       <a:solidFill>
                         <a:srgbClr val="94DDDE"/>
                       </a:solidFill>
@@ -4392,7 +4446,7 @@
                       <a:headEnd type="none" w="med" len="med"/>
                       <a:tailEnd type="none" w="med" len="med"/>
                     </a:lnR>
-                    <a:lnT cmpd="sng" algn="ctr" cap="flat" w="28575">
+                    <a:lnT w="28575" cap="flat" cmpd="sng" algn="ctr">
                       <a:solidFill>
                         <a:srgbClr val="94DDDE"/>
                       </a:solidFill>
@@ -4401,7 +4455,7 @@
                       <a:headEnd type="none" w="med" len="med"/>
                       <a:tailEnd type="none" w="med" len="med"/>
                     </a:lnT>
-                    <a:lnB cmpd="sng" algn="ctr" cap="flat" w="28575">
+                    <a:lnB w="28575" cap="flat" cmpd="sng" algn="ctr">
                       <a:solidFill>
                         <a:srgbClr val="94DDDE"/>
                       </a:solidFill>
@@ -4417,7 +4471,7 @@
                 </a:tc>
                 <a:tc>
                   <a:txBody>
-                    <a:bodyPr anchor="t" rtlCol="false"/>
+                    <a:bodyPr/>
                     <a:lstStyle/>
                     <a:p>
                       <a:pPr algn="ctr">
@@ -4427,7 +4481,7 @@
                         <a:defRPr/>
                       </a:pPr>
                       <a:r>
-                        <a:rPr lang="en-US" sz="2499">
+                        <a:rPr lang="en-US" sz="2499" dirty="0">
                           <a:solidFill>
                             <a:srgbClr val="FEFEFE"/>
                           </a:solidFill>
@@ -4438,11 +4492,11 @@
                         </a:rPr>
                         <a:t>Простенький клон игры Geometry Dash, внедря свои особенности в музыке и дизайне</a:t>
                       </a:r>
-                      <a:endParaRPr lang="en-US" sz="1100"/>
+                      <a:endParaRPr lang="en-US" sz="1100" dirty="0"/>
                     </a:p>
                   </a:txBody>
                   <a:tcPr marL="190500" marR="190500" marT="190500" marB="190500" anchor="ctr">
-                    <a:lnL cmpd="sng" algn="ctr" cap="flat" w="28575">
+                    <a:lnL w="28575" cap="flat" cmpd="sng" algn="ctr">
                       <a:solidFill>
                         <a:srgbClr val="94DDDE"/>
                       </a:solidFill>
@@ -4451,7 +4505,7 @@
                       <a:headEnd type="none" w="med" len="med"/>
                       <a:tailEnd type="none" w="med" len="med"/>
                     </a:lnL>
-                    <a:lnR cmpd="sng" algn="ctr" cap="flat" w="28575">
+                    <a:lnR w="28575" cap="flat" cmpd="sng" algn="ctr">
                       <a:solidFill>
                         <a:srgbClr val="94DDDE"/>
                       </a:solidFill>
@@ -4460,7 +4514,7 @@
                       <a:headEnd type="none" w="med" len="med"/>
                       <a:tailEnd type="none" w="med" len="med"/>
                     </a:lnR>
-                    <a:lnT cmpd="sng" algn="ctr" cap="flat" w="28575">
+                    <a:lnT w="28575" cap="flat" cmpd="sng" algn="ctr">
                       <a:solidFill>
                         <a:srgbClr val="94DDDE"/>
                       </a:solidFill>
@@ -4469,7 +4523,7 @@
                       <a:headEnd type="none" w="med" len="med"/>
                       <a:tailEnd type="none" w="med" len="med"/>
                     </a:lnT>
-                    <a:lnB cmpd="sng" algn="ctr" cap="flat" w="28575">
+                    <a:lnB w="28575" cap="flat" cmpd="sng" algn="ctr">
                       <a:solidFill>
                         <a:srgbClr val="94DDDE"/>
                       </a:solidFill>
@@ -4483,11 +4537,16 @@
                     </a:solidFill>
                   </a:tcPr>
                 </a:tc>
+                <a:extLst>
+                  <a:ext uri="{0D108BD9-81ED-4DB2-BD59-A6C34878D82A}">
+                    <a16:rowId xmlns:a16="http://schemas.microsoft.com/office/drawing/2014/main" val="10000"/>
+                  </a:ext>
+                </a:extLst>
               </a:tr>
               <a:tr h="2546774">
                 <a:tc>
                   <a:txBody>
-                    <a:bodyPr anchor="t" rtlCol="false"/>
+                    <a:bodyPr/>
                     <a:lstStyle/>
                     <a:p>
                       <a:pPr algn="ctr">
@@ -4497,7 +4556,7 @@
                         <a:defRPr/>
                       </a:pPr>
                       <a:r>
-                        <a:rPr lang="en-US" b="true" sz="2499">
+                        <a:rPr lang="en-US" sz="2499" b="1" dirty="0">
                           <a:solidFill>
                             <a:srgbClr val="FEFEFE"/>
                           </a:solidFill>
@@ -4508,11 +4567,11 @@
                         </a:rPr>
                         <a:t>Почему именно “Upswing Jumpin’”?</a:t>
                       </a:r>
-                      <a:endParaRPr lang="en-US" sz="1100"/>
+                      <a:endParaRPr lang="en-US" sz="1100" dirty="0"/>
                     </a:p>
                   </a:txBody>
                   <a:tcPr marL="190500" marR="190500" marT="190500" marB="190500" anchor="ctr">
-                    <a:lnL cmpd="sng" algn="ctr" cap="flat" w="28575">
+                    <a:lnL w="28575" cap="flat" cmpd="sng" algn="ctr">
                       <a:solidFill>
                         <a:srgbClr val="94DDDE"/>
                       </a:solidFill>
@@ -4521,7 +4580,7 @@
                       <a:headEnd type="none" w="med" len="med"/>
                       <a:tailEnd type="none" w="med" len="med"/>
                     </a:lnL>
-                    <a:lnR cmpd="sng" algn="ctr" cap="flat" w="28575">
+                    <a:lnR w="28575" cap="flat" cmpd="sng" algn="ctr">
                       <a:solidFill>
                         <a:srgbClr val="94DDDE"/>
                       </a:solidFill>
@@ -4530,7 +4589,7 @@
                       <a:headEnd type="none" w="med" len="med"/>
                       <a:tailEnd type="none" w="med" len="med"/>
                     </a:lnR>
-                    <a:lnT cmpd="sng" algn="ctr" cap="flat" w="28575">
+                    <a:lnT w="28575" cap="flat" cmpd="sng" algn="ctr">
                       <a:solidFill>
                         <a:srgbClr val="94DDDE"/>
                       </a:solidFill>
@@ -4539,7 +4598,7 @@
                       <a:headEnd type="none" w="med" len="med"/>
                       <a:tailEnd type="none" w="med" len="med"/>
                     </a:lnT>
-                    <a:lnB cmpd="sng" algn="ctr" cap="flat" w="28575">
+                    <a:lnB w="28575" cap="flat" cmpd="sng" algn="ctr">
                       <a:solidFill>
                         <a:srgbClr val="94DDDE"/>
                       </a:solidFill>
@@ -4555,7 +4614,7 @@
                 </a:tc>
                 <a:tc>
                   <a:txBody>
-                    <a:bodyPr anchor="t" rtlCol="false"/>
+                    <a:bodyPr/>
                     <a:lstStyle/>
                     <a:p>
                       <a:pPr algn="ctr">
@@ -4565,7 +4624,7 @@
                         <a:defRPr/>
                       </a:pPr>
                       <a:r>
-                        <a:rPr lang="en-US" sz="2499">
+                        <a:rPr lang="en-US" sz="2499" dirty="0">
                           <a:solidFill>
                             <a:srgbClr val="FEFEFE"/>
                           </a:solidFill>
@@ -4576,11 +4635,11 @@
                         </a:rPr>
                         <a:t>У джазовой композиции “Upswing” есть фишка – акценты поставлены на слабые доли, так создаётся эффект “прыгающего” ритма.</a:t>
                       </a:r>
-                      <a:endParaRPr lang="en-US" sz="1100"/>
+                      <a:endParaRPr lang="en-US" sz="1100" dirty="0"/>
                     </a:p>
                   </a:txBody>
                   <a:tcPr marL="190500" marR="190500" marT="190500" marB="190500" anchor="ctr">
-                    <a:lnL cmpd="sng" algn="ctr" cap="flat" w="28575">
+                    <a:lnL w="28575" cap="flat" cmpd="sng" algn="ctr">
                       <a:solidFill>
                         <a:srgbClr val="94DDDE"/>
                       </a:solidFill>
@@ -4589,7 +4648,7 @@
                       <a:headEnd type="none" w="med" len="med"/>
                       <a:tailEnd type="none" w="med" len="med"/>
                     </a:lnL>
-                    <a:lnR cmpd="sng" algn="ctr" cap="flat" w="28575">
+                    <a:lnR w="28575" cap="flat" cmpd="sng" algn="ctr">
                       <a:solidFill>
                         <a:srgbClr val="94DDDE"/>
                       </a:solidFill>
@@ -4598,7 +4657,7 @@
                       <a:headEnd type="none" w="med" len="med"/>
                       <a:tailEnd type="none" w="med" len="med"/>
                     </a:lnR>
-                    <a:lnT cmpd="sng" algn="ctr" cap="flat" w="28575">
+                    <a:lnT w="28575" cap="flat" cmpd="sng" algn="ctr">
                       <a:solidFill>
                         <a:srgbClr val="94DDDE"/>
                       </a:solidFill>
@@ -4607,7 +4666,7 @@
                       <a:headEnd type="none" w="med" len="med"/>
                       <a:tailEnd type="none" w="med" len="med"/>
                     </a:lnT>
-                    <a:lnB cmpd="sng" algn="ctr" cap="flat" w="28575">
+                    <a:lnB w="28575" cap="flat" cmpd="sng" algn="ctr">
                       <a:solidFill>
                         <a:srgbClr val="94DDDE"/>
                       </a:solidFill>
@@ -4621,11 +4680,16 @@
                     </a:solidFill>
                   </a:tcPr>
                 </a:tc>
+                <a:extLst>
+                  <a:ext uri="{0D108BD9-81ED-4DB2-BD59-A6C34878D82A}">
+                    <a16:rowId xmlns:a16="http://schemas.microsoft.com/office/drawing/2014/main" val="10001"/>
+                  </a:ext>
+                </a:extLst>
               </a:tr>
               <a:tr h="2674429">
                 <a:tc>
                   <a:txBody>
-                    <a:bodyPr anchor="t" rtlCol="false"/>
+                    <a:bodyPr/>
                     <a:lstStyle/>
                     <a:p>
                       <a:pPr algn="ctr">
@@ -4635,7 +4699,7 @@
                         <a:defRPr/>
                       </a:pPr>
                       <a:r>
-                        <a:rPr lang="en-US" sz="2499">
+                        <a:rPr lang="en-US" sz="2499" dirty="0">
                           <a:solidFill>
                             <a:srgbClr val="FEFEFE"/>
                           </a:solidFill>
@@ -4646,11 +4710,11 @@
                         </a:rPr>
                         <a:t>Кому это нужно?</a:t>
                       </a:r>
-                      <a:endParaRPr lang="en-US" sz="1100"/>
+                      <a:endParaRPr lang="en-US" sz="1100" dirty="0"/>
                     </a:p>
                   </a:txBody>
                   <a:tcPr marL="190500" marR="190500" marT="190500" marB="190500" anchor="ctr">
-                    <a:lnL cmpd="sng" algn="ctr" cap="flat" w="28575">
+                    <a:lnL w="28575" cap="flat" cmpd="sng" algn="ctr">
                       <a:solidFill>
                         <a:srgbClr val="94DDDE"/>
                       </a:solidFill>
@@ -4659,7 +4723,7 @@
                       <a:headEnd type="none" w="med" len="med"/>
                       <a:tailEnd type="none" w="med" len="med"/>
                     </a:lnL>
-                    <a:lnR cmpd="sng" algn="ctr" cap="flat" w="28575">
+                    <a:lnR w="28575" cap="flat" cmpd="sng" algn="ctr">
                       <a:solidFill>
                         <a:srgbClr val="94DDDE"/>
                       </a:solidFill>
@@ -4668,7 +4732,7 @@
                       <a:headEnd type="none" w="med" len="med"/>
                       <a:tailEnd type="none" w="med" len="med"/>
                     </a:lnR>
-                    <a:lnT cmpd="sng" algn="ctr" cap="flat" w="28575">
+                    <a:lnT w="28575" cap="flat" cmpd="sng" algn="ctr">
                       <a:solidFill>
                         <a:srgbClr val="94DDDE"/>
                       </a:solidFill>
@@ -4677,7 +4741,7 @@
                       <a:headEnd type="none" w="med" len="med"/>
                       <a:tailEnd type="none" w="med" len="med"/>
                     </a:lnT>
-                    <a:lnB cmpd="sng" algn="ctr" cap="flat" w="28575">
+                    <a:lnB w="28575" cap="flat" cmpd="sng" algn="ctr">
                       <a:solidFill>
                         <a:srgbClr val="94DDDE"/>
                       </a:solidFill>
@@ -4693,7 +4757,7 @@
                 </a:tc>
                 <a:tc>
                   <a:txBody>
-                    <a:bodyPr anchor="t" rtlCol="false"/>
+                    <a:bodyPr/>
                     <a:lstStyle/>
                     <a:p>
                       <a:pPr algn="ctr">
@@ -4703,7 +4767,7 @@
                         <a:defRPr/>
                       </a:pPr>
                       <a:r>
-                        <a:rPr lang="en-US" sz="2499">
+                        <a:rPr lang="en-US" sz="2499" dirty="0">
                           <a:solidFill>
                             <a:srgbClr val="FEFEFE"/>
                           </a:solidFill>
@@ -4714,11 +4778,11 @@
                         </a:rPr>
                         <a:t>Мне и моим друзьям. Мы любим изучать новое и смеяться с багов, возникающий при разработке. С этим проектом мы повеселились однозначно.</a:t>
                       </a:r>
-                      <a:endParaRPr lang="en-US" sz="1100"/>
+                      <a:endParaRPr lang="en-US" sz="1100" dirty="0"/>
                     </a:p>
                   </a:txBody>
                   <a:tcPr marL="190500" marR="190500" marT="190500" marB="190500" anchor="ctr">
-                    <a:lnL cmpd="sng" algn="ctr" cap="flat" w="28575">
+                    <a:lnL w="28575" cap="flat" cmpd="sng" algn="ctr">
                       <a:solidFill>
                         <a:srgbClr val="94DDDE"/>
                       </a:solidFill>
@@ -4727,7 +4791,7 @@
                       <a:headEnd type="none" w="med" len="med"/>
                       <a:tailEnd type="none" w="med" len="med"/>
                     </a:lnL>
-                    <a:lnR cmpd="sng" algn="ctr" cap="flat" w="28575">
+                    <a:lnR w="28575" cap="flat" cmpd="sng" algn="ctr">
                       <a:solidFill>
                         <a:srgbClr val="94DDDE"/>
                       </a:solidFill>
@@ -4736,7 +4800,7 @@
                       <a:headEnd type="none" w="med" len="med"/>
                       <a:tailEnd type="none" w="med" len="med"/>
                     </a:lnR>
-                    <a:lnT cmpd="sng" algn="ctr" cap="flat" w="28575">
+                    <a:lnT w="28575" cap="flat" cmpd="sng" algn="ctr">
                       <a:solidFill>
                         <a:srgbClr val="94DDDE"/>
                       </a:solidFill>
@@ -4745,7 +4809,7 @@
                       <a:headEnd type="none" w="med" len="med"/>
                       <a:tailEnd type="none" w="med" len="med"/>
                     </a:lnT>
-                    <a:lnB cmpd="sng" algn="ctr" cap="flat" w="28575">
+                    <a:lnB w="28575" cap="flat" cmpd="sng" algn="ctr">
                       <a:solidFill>
                         <a:srgbClr val="94DDDE"/>
                       </a:solidFill>
@@ -4759,11 +4823,16 @@
                     </a:solidFill>
                   </a:tcPr>
                 </a:tc>
+                <a:extLst>
+                  <a:ext uri="{0D108BD9-81ED-4DB2-BD59-A6C34878D82A}">
+                    <a16:rowId xmlns:a16="http://schemas.microsoft.com/office/drawing/2014/main" val="10002"/>
+                  </a:ext>
+                </a:extLst>
               </a:tr>
               <a:tr h="2462431">
                 <a:tc>
                   <a:txBody>
-                    <a:bodyPr anchor="t" rtlCol="false"/>
+                    <a:bodyPr/>
                     <a:lstStyle/>
                     <a:p>
                       <a:pPr algn="ctr">
@@ -4773,7 +4842,7 @@
                         <a:defRPr/>
                       </a:pPr>
                       <a:r>
-                        <a:rPr lang="en-US" sz="2499">
+                        <a:rPr lang="en-US" sz="2499" dirty="0">
                           <a:solidFill>
                             <a:srgbClr val="FEFEFE"/>
                           </a:solidFill>
@@ -4784,11 +4853,11 @@
                         </a:rPr>
                         <a:t>Планируем ли мы дорабатывать проект?</a:t>
                       </a:r>
-                      <a:endParaRPr lang="en-US" sz="1100"/>
+                      <a:endParaRPr lang="en-US" sz="1100" dirty="0"/>
                     </a:p>
                   </a:txBody>
                   <a:tcPr marL="190500" marR="190500" marT="190500" marB="190500" anchor="ctr">
-                    <a:lnL cmpd="sng" algn="ctr" cap="flat" w="28575">
+                    <a:lnL w="28575" cap="flat" cmpd="sng" algn="ctr">
                       <a:solidFill>
                         <a:srgbClr val="94DDDE"/>
                       </a:solidFill>
@@ -4797,7 +4866,7 @@
                       <a:headEnd type="none" w="med" len="med"/>
                       <a:tailEnd type="none" w="med" len="med"/>
                     </a:lnL>
-                    <a:lnR cmpd="sng" algn="ctr" cap="flat" w="28575">
+                    <a:lnR w="28575" cap="flat" cmpd="sng" algn="ctr">
                       <a:solidFill>
                         <a:srgbClr val="94DDDE"/>
                       </a:solidFill>
@@ -4806,7 +4875,7 @@
                       <a:headEnd type="none" w="med" len="med"/>
                       <a:tailEnd type="none" w="med" len="med"/>
                     </a:lnR>
-                    <a:lnT cmpd="sng" algn="ctr" cap="flat" w="28575">
+                    <a:lnT w="28575" cap="flat" cmpd="sng" algn="ctr">
                       <a:solidFill>
                         <a:srgbClr val="94DDDE"/>
                       </a:solidFill>
@@ -4815,7 +4884,7 @@
                       <a:headEnd type="none" w="med" len="med"/>
                       <a:tailEnd type="none" w="med" len="med"/>
                     </a:lnT>
-                    <a:lnB cmpd="sng" algn="ctr" cap="flat" w="28575">
+                    <a:lnB w="28575" cap="flat" cmpd="sng" algn="ctr">
                       <a:solidFill>
                         <a:srgbClr val="94DDDE"/>
                       </a:solidFill>
@@ -4831,7 +4900,7 @@
                 </a:tc>
                 <a:tc>
                   <a:txBody>
-                    <a:bodyPr anchor="t" rtlCol="false"/>
+                    <a:bodyPr/>
                     <a:lstStyle/>
                     <a:p>
                       <a:pPr algn="ctr">
@@ -4841,7 +4910,7 @@
                         <a:defRPr/>
                       </a:pPr>
                       <a:r>
-                        <a:rPr lang="en-US" sz="2499">
+                        <a:rPr lang="en-US" sz="2499" dirty="0">
                           <a:solidFill>
                             <a:srgbClr val="FEFEFE"/>
                           </a:solidFill>
@@ -4852,11 +4921,11 @@
                         </a:rPr>
                         <a:t>Конечно. Хочется добавить ещё элементы из GD. Навести красоту в стилях и добавить звуков.</a:t>
                       </a:r>
-                      <a:endParaRPr lang="en-US" sz="1100"/>
+                      <a:endParaRPr lang="en-US" sz="1100" dirty="0"/>
                     </a:p>
                   </a:txBody>
                   <a:tcPr marL="190500" marR="190500" marT="190500" marB="190500" anchor="ctr">
-                    <a:lnL cmpd="sng" algn="ctr" cap="flat" w="28575">
+                    <a:lnL w="28575" cap="flat" cmpd="sng" algn="ctr">
                       <a:solidFill>
                         <a:srgbClr val="94DDDE"/>
                       </a:solidFill>
@@ -4865,7 +4934,7 @@
                       <a:headEnd type="none" w="med" len="med"/>
                       <a:tailEnd type="none" w="med" len="med"/>
                     </a:lnL>
-                    <a:lnR cmpd="sng" algn="ctr" cap="flat" w="28575">
+                    <a:lnR w="28575" cap="flat" cmpd="sng" algn="ctr">
                       <a:solidFill>
                         <a:srgbClr val="94DDDE"/>
                       </a:solidFill>
@@ -4874,7 +4943,7 @@
                       <a:headEnd type="none" w="med" len="med"/>
                       <a:tailEnd type="none" w="med" len="med"/>
                     </a:lnR>
-                    <a:lnT cmpd="sng" algn="ctr" cap="flat" w="28575">
+                    <a:lnT w="28575" cap="flat" cmpd="sng" algn="ctr">
                       <a:solidFill>
                         <a:srgbClr val="94DDDE"/>
                       </a:solidFill>
@@ -4883,7 +4952,7 @@
                       <a:headEnd type="none" w="med" len="med"/>
                       <a:tailEnd type="none" w="med" len="med"/>
                     </a:lnT>
-                    <a:lnB cmpd="sng" algn="ctr" cap="flat" w="28575">
+                    <a:lnB w="28575" cap="flat" cmpd="sng" algn="ctr">
                       <a:solidFill>
                         <a:srgbClr val="94DDDE"/>
                       </a:solidFill>
@@ -4897,6 +4966,11 @@
                     </a:solidFill>
                   </a:tcPr>
                 </a:tc>
+                <a:extLst>
+                  <a:ext uri="{0D108BD9-81ED-4DB2-BD59-A6C34878D82A}">
+                    <a16:rowId xmlns:a16="http://schemas.microsoft.com/office/drawing/2014/main" val="10003"/>
+                  </a:ext>
+                </a:extLst>
               </a:tr>
             </a:tbl>
           </a:graphicData>
@@ -4904,12 +4978,12 @@
       </p:graphicFrame>
       <p:grpSp>
         <p:nvGrpSpPr>
-          <p:cNvPr name="Group 3" id="3"/>
+          <p:cNvPr id="3" name="Group 3"/>
           <p:cNvGrpSpPr/>
           <p:nvPr/>
         </p:nvGrpSpPr>
         <p:grpSpPr>
-          <a:xfrm rot="0">
+          <a:xfrm>
             <a:off x="0" y="4314155"/>
             <a:ext cx="6545941" cy="1326134"/>
             <a:chOff x="0" y="0"/>
@@ -4918,12 +4992,12 @@
         </p:grpSpPr>
         <p:sp>
           <p:nvSpPr>
-            <p:cNvPr name="TextBox 4" id="4"/>
-            <p:cNvSpPr txBox="true"/>
+            <p:cNvPr id="4" name="TextBox 4"/>
+            <p:cNvSpPr txBox="1"/>
             <p:nvPr/>
           </p:nvSpPr>
           <p:spPr>
-            <a:xfrm rot="0">
+            <a:xfrm>
               <a:off x="0" y="133350"/>
               <a:ext cx="8727921" cy="1157309"/>
             </a:xfrm>
@@ -4932,7 +5006,7 @@
             </a:prstGeom>
           </p:spPr>
           <p:txBody>
-            <a:bodyPr anchor="t" rtlCol="false" tIns="0" lIns="0" bIns="0" rIns="0">
+            <a:bodyPr lIns="0" tIns="0" rIns="0" bIns="0" rtlCol="0" anchor="t">
               <a:spAutoFit/>
             </a:bodyPr>
             <a:lstStyle/>
@@ -4943,7 +5017,7 @@
                 </a:lnSpc>
               </a:pPr>
               <a:r>
-                <a:rPr lang="en-US" sz="6399">
+                <a:rPr lang="en-US" sz="6399" dirty="0">
                   <a:solidFill>
                     <a:srgbClr val="C1314C"/>
                   </a:solidFill>
@@ -4959,12 +5033,12 @@
         </p:sp>
         <p:sp>
           <p:nvSpPr>
-            <p:cNvPr name="TextBox 5" id="5"/>
-            <p:cNvSpPr txBox="true"/>
+            <p:cNvPr id="5" name="TextBox 5"/>
+            <p:cNvSpPr txBox="1"/>
             <p:nvPr/>
           </p:nvSpPr>
           <p:spPr>
-            <a:xfrm rot="0">
+            <a:xfrm>
               <a:off x="0" y="1252559"/>
               <a:ext cx="8727921" cy="515620"/>
             </a:xfrm>
@@ -4973,7 +5047,7 @@
             </a:prstGeom>
           </p:spPr>
           <p:txBody>
-            <a:bodyPr anchor="t" rtlCol="false" tIns="0" lIns="0" bIns="0" rIns="0">
+            <a:bodyPr lIns="0" tIns="0" rIns="0" bIns="0" rtlCol="0" anchor="t">
               <a:spAutoFit/>
             </a:bodyPr>
             <a:lstStyle/>
@@ -4984,7 +5058,7 @@
                 </a:lnSpc>
               </a:pPr>
               <a:r>
-                <a:rPr lang="en-US" sz="2400">
+                <a:rPr lang="en-US" sz="2400" dirty="0">
                   <a:solidFill>
                     <a:srgbClr val="C1314C"/>
                   </a:solidFill>
@@ -4993,19 +5067,7 @@
                   <a:cs typeface="Open Sans"/>
                   <a:sym typeface="Open Sans"/>
                 </a:rPr>
-                <a:t>Немного </a:t>
-              </a:r>
-              <a:r>
-                <a:rPr lang="en-US" sz="2400">
-                  <a:solidFill>
-                    <a:srgbClr val="C1314C"/>
-                  </a:solidFill>
-                  <a:latin typeface="Open Sans"/>
-                  <a:ea typeface="Open Sans"/>
-                  <a:cs typeface="Open Sans"/>
-                  <a:sym typeface="Open Sans"/>
-                </a:rPr>
-                <a:t>общей информации</a:t>
+                <a:t>Немного общей информации</a:t>
               </a:r>
             </a:p>
           </p:txBody>
@@ -5016,17 +5078,25 @@
   <p:clrMapOvr>
     <a:masterClrMapping/>
   </p:clrMapOvr>
+  <p:timing>
+    <p:tnLst>
+      <p:par>
+        <p:cTn id="1" dur="indefinite" restart="never" nodeType="tmRoot"/>
+      </p:par>
+    </p:tnLst>
+  </p:timing>
 </p:sld>
 </file>
 
 <file path=ppt/slides/slide4.xml><?xml version="1.0" encoding="utf-8"?>
-<p:sld xmlns:p="http://schemas.openxmlformats.org/presentationml/2006/main" xmlns:a="http://schemas.openxmlformats.org/drawingml/2006/main" xmlns:r="http://schemas.openxmlformats.org/officeDocument/2006/relationships">
+<p:sld xmlns:a="http://schemas.openxmlformats.org/drawingml/2006/main" xmlns:r="http://schemas.openxmlformats.org/officeDocument/2006/relationships" xmlns:p="http://schemas.openxmlformats.org/presentationml/2006/main">
   <p:cSld>
     <p:bg>
       <p:bgPr>
         <a:solidFill>
           <a:srgbClr val="FFECEF"/>
         </a:solidFill>
+        <a:effectLst/>
       </p:bgPr>
     </p:bg>
     <p:spTree>
@@ -5045,12 +5115,12 @@
       </p:grpSpPr>
       <p:sp>
         <p:nvSpPr>
-          <p:cNvPr name="Freeform 2" id="2" descr="Simple Lined Octahedron Net  "/>
+          <p:cNvPr id="2" name="Freeform 2" descr="Simple Lined Octahedron Net  "/>
           <p:cNvSpPr/>
           <p:nvPr/>
         </p:nvSpPr>
         <p:spPr>
-          <a:xfrm flipH="false" flipV="false" rot="0">
+          <a:xfrm>
             <a:off x="15205688" y="-1725770"/>
             <a:ext cx="5533350" cy="4114800"/>
           </a:xfrm>
@@ -5059,9 +5129,9 @@
             <a:gdLst/>
             <a:ahLst/>
             <a:cxnLst/>
-            <a:rect r="r" b="b" t="t" l="l"/>
+            <a:rect l="l" t="t" r="r" b="b"/>
             <a:pathLst>
-              <a:path h="4114800" w="5533350">
+              <a:path w="5533350" h="4114800">
                 <a:moveTo>
                   <a:pt x="0" y="0"/>
                 </a:moveTo>
@@ -5085,24 +5155,24 @@
             <a:blip r:embed="rId2">
               <a:extLst>
                 <a:ext uri="{96DAC541-7B7A-43D3-8B79-37D633B846F1}">
-                  <asvg:svgBlip xmlns:asvg="http://schemas.microsoft.com/office/drawing/2016/SVG/main" r:embed="rId3"/>
+                  <asvg:svgBlip xmlns:asvg="http://schemas.microsoft.com/office/drawing/2016/SVG/main" xmlns="" r:embed="rId3"/>
                 </a:ext>
               </a:extLst>
             </a:blip>
             <a:stretch>
-              <a:fillRect l="0" t="0" r="0" b="0"/>
+              <a:fillRect/>
             </a:stretch>
           </a:blipFill>
         </p:spPr>
       </p:sp>
       <p:sp>
         <p:nvSpPr>
-          <p:cNvPr name="Freeform 3" id="3" descr="Cute Organic Cone "/>
+          <p:cNvPr id="3" name="Freeform 3" descr="Cute Organic Cone "/>
           <p:cNvSpPr/>
           <p:nvPr/>
         </p:nvSpPr>
         <p:spPr>
-          <a:xfrm flipH="false" flipV="false" rot="5954939">
+          <a:xfrm rot="5954939">
             <a:off x="402557" y="7468401"/>
             <a:ext cx="2843035" cy="3636440"/>
           </a:xfrm>
@@ -5111,9 +5181,9 @@
             <a:gdLst/>
             <a:ahLst/>
             <a:cxnLst/>
-            <a:rect r="r" b="b" t="t" l="l"/>
+            <a:rect l="l" t="t" r="r" b="b"/>
             <a:pathLst>
-              <a:path h="3636440" w="2843035">
+              <a:path w="2843035" h="3636440">
                 <a:moveTo>
                   <a:pt x="0" y="0"/>
                 </a:moveTo>
@@ -5137,24 +5207,24 @@
             <a:blip r:embed="rId4">
               <a:extLst>
                 <a:ext uri="{96DAC541-7B7A-43D3-8B79-37D633B846F1}">
-                  <asvg:svgBlip xmlns:asvg="http://schemas.microsoft.com/office/drawing/2016/SVG/main" r:embed="rId5"/>
+                  <asvg:svgBlip xmlns:asvg="http://schemas.microsoft.com/office/drawing/2016/SVG/main" xmlns="" r:embed="rId5"/>
                 </a:ext>
               </a:extLst>
             </a:blip>
             <a:stretch>
-              <a:fillRect l="0" t="0" r="0" b="0"/>
+              <a:fillRect/>
             </a:stretch>
           </a:blipFill>
         </p:spPr>
       </p:sp>
       <p:sp>
         <p:nvSpPr>
-          <p:cNvPr name="Freeform 4" id="4" descr="Simple Lined Cuboctahedron"/>
+          <p:cNvPr id="4" name="Freeform 4" descr="Simple Lined Cuboctahedron"/>
           <p:cNvSpPr/>
           <p:nvPr/>
         </p:nvSpPr>
         <p:spPr>
-          <a:xfrm flipH="false" flipV="false" rot="0">
+          <a:xfrm>
             <a:off x="2064107" y="-2563016"/>
             <a:ext cx="4754496" cy="4114800"/>
           </a:xfrm>
@@ -5163,9 +5233,9 @@
             <a:gdLst/>
             <a:ahLst/>
             <a:cxnLst/>
-            <a:rect r="r" b="b" t="t" l="l"/>
+            <a:rect l="l" t="t" r="r" b="b"/>
             <a:pathLst>
-              <a:path h="4114800" w="4754496">
+              <a:path w="4754496" h="4114800">
                 <a:moveTo>
                   <a:pt x="0" y="0"/>
                 </a:moveTo>
@@ -5189,24 +5259,24 @@
             <a:blip r:embed="rId6">
               <a:extLst>
                 <a:ext uri="{96DAC541-7B7A-43D3-8B79-37D633B846F1}">
-                  <asvg:svgBlip xmlns:asvg="http://schemas.microsoft.com/office/drawing/2016/SVG/main" r:embed="rId7"/>
+                  <asvg:svgBlip xmlns:asvg="http://schemas.microsoft.com/office/drawing/2016/SVG/main" xmlns="" r:embed="rId7"/>
                 </a:ext>
               </a:extLst>
             </a:blip>
             <a:stretch>
-              <a:fillRect l="0" t="0" r="0" b="0"/>
+              <a:fillRect/>
             </a:stretch>
           </a:blipFill>
         </p:spPr>
       </p:sp>
       <p:sp>
         <p:nvSpPr>
-          <p:cNvPr name="Freeform 5" id="5" descr="Cute Organic Cone "/>
+          <p:cNvPr id="5" name="Freeform 5" descr="Cute Organic Cone "/>
           <p:cNvSpPr/>
           <p:nvPr/>
         </p:nvSpPr>
         <p:spPr>
-          <a:xfrm flipH="false" flipV="false" rot="0">
+          <a:xfrm>
             <a:off x="-198981" y="104460"/>
             <a:ext cx="2263087" cy="2894647"/>
           </a:xfrm>
@@ -5215,9 +5285,9 @@
             <a:gdLst/>
             <a:ahLst/>
             <a:cxnLst/>
-            <a:rect r="r" b="b" t="t" l="l"/>
+            <a:rect l="l" t="t" r="r" b="b"/>
             <a:pathLst>
-              <a:path h="2894647" w="2263087">
+              <a:path w="2263087" h="2894647">
                 <a:moveTo>
                   <a:pt x="0" y="0"/>
                 </a:moveTo>
@@ -5241,33 +5311,33 @@
             <a:blip r:embed="rId8">
               <a:extLst>
                 <a:ext uri="{96DAC541-7B7A-43D3-8B79-37D633B846F1}">
-                  <asvg:svgBlip xmlns:asvg="http://schemas.microsoft.com/office/drawing/2016/SVG/main" r:embed="rId9"/>
+                  <asvg:svgBlip xmlns:asvg="http://schemas.microsoft.com/office/drawing/2016/SVG/main" xmlns="" r:embed="rId9"/>
                 </a:ext>
               </a:extLst>
             </a:blip>
             <a:stretch>
-              <a:fillRect l="0" t="0" r="0" b="0"/>
+              <a:fillRect/>
             </a:stretch>
           </a:blipFill>
         </p:spPr>
       </p:sp>
       <p:sp>
         <p:nvSpPr>
-          <p:cNvPr name="TextBox 6" id="6"/>
-          <p:cNvSpPr txBox="true"/>
+          <p:cNvPr id="6" name="TextBox 6"/>
+          <p:cNvSpPr txBox="1"/>
           <p:nvPr/>
         </p:nvSpPr>
         <p:spPr>
-          <a:xfrm rot="0">
-            <a:off x="7353250" y="1181100"/>
-            <a:ext cx="6545941" cy="885799"/>
+          <a:xfrm>
+            <a:off x="7353250" y="1171952"/>
+            <a:ext cx="6545941" cy="904094"/>
           </a:xfrm>
           <a:prstGeom prst="rect">
             <a:avLst/>
           </a:prstGeom>
         </p:spPr>
         <p:txBody>
-          <a:bodyPr anchor="t" rtlCol="false" tIns="0" lIns="0" bIns="0" rIns="0">
+          <a:bodyPr lIns="0" tIns="0" rIns="0" bIns="0" rtlCol="0" anchor="ctr">
             <a:spAutoFit/>
           </a:bodyPr>
           <a:lstStyle/>
@@ -5278,7 +5348,7 @@
               </a:lnSpc>
             </a:pPr>
             <a:r>
-              <a:rPr lang="en-US" sz="6846">
+              <a:rPr lang="en-US" sz="7000" dirty="0">
                 <a:solidFill>
                   <a:srgbClr val="C1314C"/>
                 </a:solidFill>
@@ -5294,35 +5364,35 @@
       </p:sp>
       <p:sp>
         <p:nvSpPr>
-          <p:cNvPr name="TextBox 7" id="7"/>
-          <p:cNvSpPr txBox="true"/>
+          <p:cNvPr id="14" name="TextBox 7"/>
+          <p:cNvSpPr txBox="1"/>
           <p:nvPr/>
         </p:nvSpPr>
         <p:spPr>
-          <a:xfrm rot="0">
+          <a:xfrm>
             <a:off x="4441355" y="3240850"/>
-            <a:ext cx="7543443" cy="613410"/>
+            <a:ext cx="9960445" cy="6155531"/>
           </a:xfrm>
           <a:prstGeom prst="rect">
             <a:avLst/>
           </a:prstGeom>
         </p:spPr>
         <p:txBody>
-          <a:bodyPr anchor="t" rtlCol="false" tIns="0" lIns="0" bIns="0" rIns="0">
+          <a:bodyPr wrap="square" lIns="0" tIns="0" rIns="0" bIns="0" rtlCol="0" anchor="t">
             <a:spAutoFit/>
           </a:bodyPr>
           <a:lstStyle/>
           <a:p>
-            <a:pPr algn="ctr">
+            <a:pPr>
               <a:lnSpc>
-                <a:spcPts val="5040"/>
+                <a:spcPct val="200000"/>
               </a:lnSpc>
               <a:spcBef>
                 <a:spcPct val="0"/>
               </a:spcBef>
             </a:pPr>
             <a:r>
-              <a:rPr lang="en-US" sz="3600">
+              <a:rPr lang="en-US" sz="4000" dirty="0">
                 <a:solidFill>
                   <a:srgbClr val="C1314C"/>
                 </a:solidFill>
@@ -5331,42 +5401,32 @@
                 <a:cs typeface="Lalezar"/>
                 <a:sym typeface="Lalezar"/>
               </a:rPr>
-              <a:t>arcade - ядро  приложения/движок</a:t>
-            </a:r>
-          </a:p>
-        </p:txBody>
-      </p:sp>
-      <p:sp>
-        <p:nvSpPr>
-          <p:cNvPr name="TextBox 8" id="8"/>
-          <p:cNvSpPr txBox="true"/>
-          <p:nvPr/>
-        </p:nvSpPr>
-        <p:spPr>
-          <a:xfrm rot="0">
-            <a:off x="4439603" y="4134530"/>
-            <a:ext cx="8605004" cy="613410"/>
-          </a:xfrm>
-          <a:prstGeom prst="rect">
-            <a:avLst/>
-          </a:prstGeom>
-        </p:spPr>
-        <p:txBody>
-          <a:bodyPr anchor="t" rtlCol="false" tIns="0" lIns="0" bIns="0" rIns="0">
-            <a:spAutoFit/>
-          </a:bodyPr>
-          <a:lstStyle/>
-          <a:p>
-            <a:pPr algn="ctr">
+              <a:t>arcade - ядро  </a:t>
+            </a:r>
+            <a:r>
+              <a:rPr lang="en-US" sz="4000" dirty="0" smtClean="0">
+                <a:solidFill>
+                  <a:srgbClr val="C1314C"/>
+                </a:solidFill>
+                <a:latin typeface="Lalezar"/>
+                <a:ea typeface="Lalezar"/>
+                <a:cs typeface="Lalezar"/>
+                <a:sym typeface="Lalezar"/>
+              </a:rPr>
+              <a:t>приложения/движок</a:t>
+            </a:r>
+          </a:p>
+          <a:p>
+            <a:pPr>
               <a:lnSpc>
-                <a:spcPts val="5040"/>
+                <a:spcPct val="200000"/>
               </a:lnSpc>
               <a:spcBef>
                 <a:spcPct val="0"/>
               </a:spcBef>
             </a:pPr>
             <a:r>
-              <a:rPr lang="en-US" sz="3600">
+              <a:rPr lang="en-US" sz="4000" dirty="0">
                 <a:solidFill>
                   <a:srgbClr val="C1314C"/>
                 </a:solidFill>
@@ -5378,39 +5438,17 @@
               <a:t>configparser- загрузка настроек проекта</a:t>
             </a:r>
           </a:p>
-        </p:txBody>
-      </p:sp>
-      <p:sp>
-        <p:nvSpPr>
-          <p:cNvPr name="TextBox 9" id="9"/>
-          <p:cNvSpPr txBox="true"/>
-          <p:nvPr/>
-        </p:nvSpPr>
-        <p:spPr>
-          <a:xfrm rot="0">
-            <a:off x="4439603" y="5028210"/>
-            <a:ext cx="9408795" cy="613410"/>
-          </a:xfrm>
-          <a:prstGeom prst="rect">
-            <a:avLst/>
-          </a:prstGeom>
-        </p:spPr>
-        <p:txBody>
-          <a:bodyPr anchor="t" rtlCol="false" tIns="0" lIns="0" bIns="0" rIns="0">
-            <a:spAutoFit/>
-          </a:bodyPr>
-          <a:lstStyle/>
-          <a:p>
-            <a:pPr algn="ctr">
+          <a:p>
+            <a:pPr>
               <a:lnSpc>
-                <a:spcPts val="5040"/>
+                <a:spcPct val="200000"/>
               </a:lnSpc>
               <a:spcBef>
                 <a:spcPct val="0"/>
               </a:spcBef>
             </a:pPr>
             <a:r>
-              <a:rPr lang="en-US" sz="3600">
+              <a:rPr lang="en-US" sz="4000" dirty="0">
                 <a:solidFill>
                   <a:srgbClr val="C1314C"/>
                 </a:solidFill>
@@ -5422,83 +5460,17 @@
               <a:t>pydantic- работа с форматированием строк</a:t>
             </a:r>
           </a:p>
-        </p:txBody>
-      </p:sp>
-      <p:sp>
-        <p:nvSpPr>
-          <p:cNvPr name="TextBox 10" id="10"/>
-          <p:cNvSpPr txBox="true"/>
-          <p:nvPr/>
-        </p:nvSpPr>
-        <p:spPr>
-          <a:xfrm rot="0">
-            <a:off x="1028700" y="5879745"/>
-            <a:ext cx="17463541" cy="613410"/>
-          </a:xfrm>
-          <a:prstGeom prst="rect">
-            <a:avLst/>
-          </a:prstGeom>
-        </p:spPr>
-        <p:txBody>
-          <a:bodyPr anchor="t" rtlCol="false" tIns="0" lIns="0" bIns="0" rIns="0">
-            <a:spAutoFit/>
-          </a:bodyPr>
-          <a:lstStyle/>
-          <a:p>
-            <a:pPr algn="ctr">
+          <a:p>
+            <a:pPr>
               <a:lnSpc>
-                <a:spcPts val="5040"/>
+                <a:spcPct val="200000"/>
               </a:lnSpc>
               <a:spcBef>
                 <a:spcPct val="0"/>
               </a:spcBef>
             </a:pPr>
             <a:r>
-              <a:rPr lang="en-US" sz="3600">
-                <a:solidFill>
-                  <a:srgbClr val="C1314C"/>
-                </a:solidFill>
-                <a:latin typeface="Lalezar"/>
-                <a:ea typeface="Lalezar"/>
-                <a:cs typeface="Lalezar"/>
-                <a:sym typeface="Lalezar"/>
-              </a:rPr>
-              <a:t>datetime - расчёт полученных денег за время отсутствия игрока</a:t>
-            </a:r>
-          </a:p>
-        </p:txBody>
-      </p:sp>
-      <p:sp>
-        <p:nvSpPr>
-          <p:cNvPr name="TextBox 11" id="11"/>
-          <p:cNvSpPr txBox="true"/>
-          <p:nvPr/>
-        </p:nvSpPr>
-        <p:spPr>
-          <a:xfrm rot="0">
-            <a:off x="2728814" y="6769380"/>
-            <a:ext cx="10117398" cy="613410"/>
-          </a:xfrm>
-          <a:prstGeom prst="rect">
-            <a:avLst/>
-          </a:prstGeom>
-        </p:spPr>
-        <p:txBody>
-          <a:bodyPr anchor="t" rtlCol="false" tIns="0" lIns="0" bIns="0" rIns="0">
-            <a:spAutoFit/>
-          </a:bodyPr>
-          <a:lstStyle/>
-          <a:p>
-            <a:pPr algn="ctr">
-              <a:lnSpc>
-                <a:spcPts val="5040"/>
-              </a:lnSpc>
-              <a:spcBef>
-                <a:spcPct val="0"/>
-              </a:spcBef>
-            </a:pPr>
-            <a:r>
-              <a:rPr lang="en-US" sz="3600">
+              <a:rPr lang="en-US" sz="4000" dirty="0">
                 <a:solidFill>
                   <a:srgbClr val="C1314C"/>
                 </a:solidFill>
@@ -5510,39 +5482,17 @@
               <a:t>sqlite3 - работа с базой данных</a:t>
             </a:r>
           </a:p>
-        </p:txBody>
-      </p:sp>
-      <p:sp>
-        <p:nvSpPr>
-          <p:cNvPr name="TextBox 12" id="12"/>
-          <p:cNvSpPr txBox="true"/>
-          <p:nvPr/>
-        </p:nvSpPr>
-        <p:spPr>
-          <a:xfrm rot="0">
-            <a:off x="2520799" y="7524676"/>
-            <a:ext cx="10117398" cy="613410"/>
-          </a:xfrm>
-          <a:prstGeom prst="rect">
-            <a:avLst/>
-          </a:prstGeom>
-        </p:spPr>
-        <p:txBody>
-          <a:bodyPr anchor="t" rtlCol="false" tIns="0" lIns="0" bIns="0" rIns="0">
-            <a:spAutoFit/>
-          </a:bodyPr>
-          <a:lstStyle/>
-          <a:p>
-            <a:pPr algn="ctr">
+          <a:p>
+            <a:pPr>
               <a:lnSpc>
-                <a:spcPts val="5040"/>
+                <a:spcPct val="200000"/>
               </a:lnSpc>
               <a:spcBef>
                 <a:spcPct val="0"/>
               </a:spcBef>
             </a:pPr>
             <a:r>
-              <a:rPr lang="en-US" sz="3600">
+              <a:rPr lang="en-US" sz="4000" dirty="0">
                 <a:solidFill>
                   <a:srgbClr val="C1314C"/>
                 </a:solidFill>
@@ -5551,8 +5501,29 @@
                 <a:cs typeface="Lalezar"/>
                 <a:sym typeface="Lalezar"/>
               </a:rPr>
-              <a:t>json-работа с JSON-файлами</a:t>
-            </a:r>
+              <a:t>json-работа с </a:t>
+            </a:r>
+            <a:r>
+              <a:rPr lang="en-US" sz="4000" dirty="0" smtClean="0">
+                <a:solidFill>
+                  <a:srgbClr val="C1314C"/>
+                </a:solidFill>
+                <a:latin typeface="Lalezar"/>
+                <a:ea typeface="Lalezar"/>
+                <a:cs typeface="Lalezar"/>
+                <a:sym typeface="Lalezar"/>
+              </a:rPr>
+              <a:t>JSON-файлами</a:t>
+            </a:r>
+            <a:endParaRPr lang="en-US" sz="4000" dirty="0">
+              <a:solidFill>
+                <a:srgbClr val="C1314C"/>
+              </a:solidFill>
+              <a:latin typeface="Lalezar"/>
+              <a:ea typeface="Lalezar"/>
+              <a:cs typeface="Lalezar"/>
+              <a:sym typeface="Lalezar"/>
+            </a:endParaRPr>
           </a:p>
         </p:txBody>
       </p:sp>
@@ -5561,17 +5532,25 @@
   <p:clrMapOvr>
     <a:masterClrMapping/>
   </p:clrMapOvr>
+  <p:timing>
+    <p:tnLst>
+      <p:par>
+        <p:cTn id="1" dur="indefinite" restart="never" nodeType="tmRoot"/>
+      </p:par>
+    </p:tnLst>
+  </p:timing>
 </p:sld>
 </file>
 
 <file path=ppt/slides/slide5.xml><?xml version="1.0" encoding="utf-8"?>
-<p:sld xmlns:p="http://schemas.openxmlformats.org/presentationml/2006/main" xmlns:a="http://schemas.openxmlformats.org/drawingml/2006/main" xmlns:r="http://schemas.openxmlformats.org/officeDocument/2006/relationships">
+<p:sld xmlns:a="http://schemas.openxmlformats.org/drawingml/2006/main" xmlns:r="http://schemas.openxmlformats.org/officeDocument/2006/relationships" xmlns:p="http://schemas.openxmlformats.org/presentationml/2006/main">
   <p:cSld>
     <p:bg>
       <p:bgPr>
         <a:solidFill>
           <a:srgbClr val="181818"/>
         </a:solidFill>
+        <a:effectLst/>
       </p:bgPr>
     </p:bg>
     <p:spTree>
@@ -5590,12 +5569,12 @@
       </p:grpSpPr>
       <p:sp>
         <p:nvSpPr>
-          <p:cNvPr name="Freeform 2" id="2"/>
+          <p:cNvPr id="2" name="Freeform 2"/>
           <p:cNvSpPr/>
           <p:nvPr/>
         </p:nvSpPr>
         <p:spPr>
-          <a:xfrm flipH="false" flipV="false" rot="0">
+          <a:xfrm>
             <a:off x="0" y="297180"/>
             <a:ext cx="18288000" cy="9692640"/>
           </a:xfrm>
@@ -5604,9 +5583,9 @@
             <a:gdLst/>
             <a:ahLst/>
             <a:cxnLst/>
-            <a:rect r="r" b="b" t="t" l="l"/>
+            <a:rect l="l" t="t" r="r" b="b"/>
             <a:pathLst>
-              <a:path h="9692640" w="18288000">
+              <a:path w="18288000" h="9692640">
                 <a:moveTo>
                   <a:pt x="0" y="0"/>
                 </a:moveTo>
@@ -5629,7 +5608,7 @@
           <a:blipFill>
             <a:blip r:embed="rId2"/>
             <a:stretch>
-              <a:fillRect l="0" t="0" r="0" b="0"/>
+              <a:fillRect/>
             </a:stretch>
           </a:blipFill>
         </p:spPr>
@@ -5639,17 +5618,25 @@
   <p:clrMapOvr>
     <a:masterClrMapping/>
   </p:clrMapOvr>
+  <p:timing>
+    <p:tnLst>
+      <p:par>
+        <p:cTn id="1" dur="indefinite" restart="never" nodeType="tmRoot"/>
+      </p:par>
+    </p:tnLst>
+  </p:timing>
 </p:sld>
 </file>
 
 <file path=ppt/slides/slide6.xml><?xml version="1.0" encoding="utf-8"?>
-<p:sld xmlns:p="http://schemas.openxmlformats.org/presentationml/2006/main" xmlns:a="http://schemas.openxmlformats.org/drawingml/2006/main" xmlns:r="http://schemas.openxmlformats.org/officeDocument/2006/relationships">
+<p:sld xmlns:a="http://schemas.openxmlformats.org/drawingml/2006/main" xmlns:r="http://schemas.openxmlformats.org/officeDocument/2006/relationships" xmlns:p="http://schemas.openxmlformats.org/presentationml/2006/main">
   <p:cSld>
     <p:bg>
       <p:bgPr>
         <a:solidFill>
           <a:srgbClr val="181818"/>
         </a:solidFill>
+        <a:effectLst/>
       </p:bgPr>
     </p:bg>
     <p:spTree>
@@ -5668,12 +5655,12 @@
       </p:grpSpPr>
       <p:sp>
         <p:nvSpPr>
-          <p:cNvPr name="Freeform 2" id="2"/>
+          <p:cNvPr id="2" name="Freeform 2"/>
           <p:cNvSpPr/>
           <p:nvPr/>
         </p:nvSpPr>
         <p:spPr>
-          <a:xfrm flipH="false" flipV="false" rot="0">
+          <a:xfrm>
             <a:off x="0" y="377190"/>
             <a:ext cx="18288000" cy="9532620"/>
           </a:xfrm>
@@ -5682,9 +5669,9 @@
             <a:gdLst/>
             <a:ahLst/>
             <a:cxnLst/>
-            <a:rect r="r" b="b" t="t" l="l"/>
+            <a:rect l="l" t="t" r="r" b="b"/>
             <a:pathLst>
-              <a:path h="9532620" w="18288000">
+              <a:path w="18288000" h="9532620">
                 <a:moveTo>
                   <a:pt x="0" y="0"/>
                 </a:moveTo>
@@ -5707,7 +5694,7 @@
           <a:blipFill>
             <a:blip r:embed="rId2"/>
             <a:stretch>
-              <a:fillRect l="0" t="0" r="0" b="0"/>
+              <a:fillRect/>
             </a:stretch>
           </a:blipFill>
         </p:spPr>
@@ -5717,17 +5704,25 @@
   <p:clrMapOvr>
     <a:masterClrMapping/>
   </p:clrMapOvr>
+  <p:timing>
+    <p:tnLst>
+      <p:par>
+        <p:cTn id="1" dur="indefinite" restart="never" nodeType="tmRoot"/>
+      </p:par>
+    </p:tnLst>
+  </p:timing>
 </p:sld>
 </file>
 
 <file path=ppt/slides/slide7.xml><?xml version="1.0" encoding="utf-8"?>
-<p:sld xmlns:p="http://schemas.openxmlformats.org/presentationml/2006/main" xmlns:a="http://schemas.openxmlformats.org/drawingml/2006/main" xmlns:r="http://schemas.openxmlformats.org/officeDocument/2006/relationships">
+<p:sld xmlns:a="http://schemas.openxmlformats.org/drawingml/2006/main" xmlns:r="http://schemas.openxmlformats.org/officeDocument/2006/relationships" xmlns:p="http://schemas.openxmlformats.org/presentationml/2006/main">
   <p:cSld>
     <p:bg>
       <p:bgPr>
         <a:solidFill>
           <a:srgbClr val="FFECEF"/>
         </a:solidFill>
+        <a:effectLst/>
       </p:bgPr>
     </p:bg>
     <p:spTree>
@@ -5746,12 +5741,12 @@
       </p:grpSpPr>
       <p:sp>
         <p:nvSpPr>
-          <p:cNvPr name="Freeform 2" id="2"/>
+          <p:cNvPr id="2" name="Freeform 2"/>
           <p:cNvSpPr/>
           <p:nvPr/>
         </p:nvSpPr>
         <p:spPr>
-          <a:xfrm flipH="false" flipV="false" rot="0">
+          <a:xfrm>
             <a:off x="-1412096" y="7200900"/>
             <a:ext cx="4099837" cy="4114800"/>
           </a:xfrm>
@@ -5760,9 +5755,9 @@
             <a:gdLst/>
             <a:ahLst/>
             <a:cxnLst/>
-            <a:rect r="r" b="b" t="t" l="l"/>
+            <a:rect l="l" t="t" r="r" b="b"/>
             <a:pathLst>
-              <a:path h="4114800" w="4099837">
+              <a:path w="4099837" h="4114800">
                 <a:moveTo>
                   <a:pt x="0" y="0"/>
                 </a:moveTo>
@@ -5786,24 +5781,24 @@
             <a:blip r:embed="rId2">
               <a:extLst>
                 <a:ext uri="{96DAC541-7B7A-43D3-8B79-37D633B846F1}">
-                  <asvg:svgBlip xmlns:asvg="http://schemas.microsoft.com/office/drawing/2016/SVG/main" r:embed="rId3"/>
+                  <asvg:svgBlip xmlns:asvg="http://schemas.microsoft.com/office/drawing/2016/SVG/main" xmlns="" r:embed="rId3"/>
                 </a:ext>
               </a:extLst>
             </a:blip>
             <a:stretch>
-              <a:fillRect l="0" t="0" r="0" b="0"/>
+              <a:fillRect/>
             </a:stretch>
           </a:blipFill>
         </p:spPr>
       </p:sp>
       <p:sp>
         <p:nvSpPr>
-          <p:cNvPr name="Freeform 3" id="3"/>
+          <p:cNvPr id="3" name="Freeform 3"/>
           <p:cNvSpPr/>
           <p:nvPr/>
         </p:nvSpPr>
         <p:spPr>
-          <a:xfrm flipH="false" flipV="false" rot="-1861447">
+          <a:xfrm rot="-1861447">
             <a:off x="15159209" y="-183498"/>
             <a:ext cx="5189182" cy="5415655"/>
           </a:xfrm>
@@ -5812,9 +5807,9 @@
             <a:gdLst/>
             <a:ahLst/>
             <a:cxnLst/>
-            <a:rect r="r" b="b" t="t" l="l"/>
+            <a:rect l="l" t="t" r="r" b="b"/>
             <a:pathLst>
-              <a:path h="5415655" w="5189182">
+              <a:path w="5189182" h="5415655">
                 <a:moveTo>
                   <a:pt x="0" y="0"/>
                 </a:moveTo>
@@ -5838,24 +5833,24 @@
             <a:blip r:embed="rId4">
               <a:extLst>
                 <a:ext uri="{96DAC541-7B7A-43D3-8B79-37D633B846F1}">
-                  <asvg:svgBlip xmlns:asvg="http://schemas.microsoft.com/office/drawing/2016/SVG/main" r:embed="rId5"/>
+                  <asvg:svgBlip xmlns:asvg="http://schemas.microsoft.com/office/drawing/2016/SVG/main" xmlns="" r:embed="rId5"/>
                 </a:ext>
               </a:extLst>
             </a:blip>
             <a:stretch>
-              <a:fillRect l="0" t="0" r="0" b="0"/>
+              <a:fillRect/>
             </a:stretch>
           </a:blipFill>
         </p:spPr>
       </p:sp>
       <p:sp>
         <p:nvSpPr>
-          <p:cNvPr name="Freeform 4" id="4"/>
+          <p:cNvPr id="4" name="Freeform 4"/>
           <p:cNvSpPr/>
           <p:nvPr/>
         </p:nvSpPr>
         <p:spPr>
-          <a:xfrm flipH="false" flipV="false" rot="0">
+          <a:xfrm>
             <a:off x="14737905" y="7420059"/>
             <a:ext cx="5533350" cy="4114800"/>
           </a:xfrm>
@@ -5864,9 +5859,9 @@
             <a:gdLst/>
             <a:ahLst/>
             <a:cxnLst/>
-            <a:rect r="r" b="b" t="t" l="l"/>
+            <a:rect l="l" t="t" r="r" b="b"/>
             <a:pathLst>
-              <a:path h="4114800" w="5533350">
+              <a:path w="5533350" h="4114800">
                 <a:moveTo>
                   <a:pt x="0" y="0"/>
                 </a:moveTo>
@@ -5890,24 +5885,24 @@
             <a:blip r:embed="rId6">
               <a:extLst>
                 <a:ext uri="{96DAC541-7B7A-43D3-8B79-37D633B846F1}">
-                  <asvg:svgBlip xmlns:asvg="http://schemas.microsoft.com/office/drawing/2016/SVG/main" r:embed="rId7"/>
+                  <asvg:svgBlip xmlns:asvg="http://schemas.microsoft.com/office/drawing/2016/SVG/main" xmlns="" r:embed="rId7"/>
                 </a:ext>
               </a:extLst>
             </a:blip>
             <a:stretch>
-              <a:fillRect l="0" t="0" r="0" b="0"/>
+              <a:fillRect/>
             </a:stretch>
           </a:blipFill>
         </p:spPr>
       </p:sp>
       <p:sp>
         <p:nvSpPr>
-          <p:cNvPr name="Freeform 5" id="5"/>
+          <p:cNvPr id="5" name="Freeform 5"/>
           <p:cNvSpPr/>
           <p:nvPr/>
         </p:nvSpPr>
         <p:spPr>
-          <a:xfrm flipH="false" flipV="false" rot="5954939">
+          <a:xfrm rot="5954939">
             <a:off x="4067335" y="8400928"/>
             <a:ext cx="2843035" cy="3636440"/>
           </a:xfrm>
@@ -5916,9 +5911,9 @@
             <a:gdLst/>
             <a:ahLst/>
             <a:cxnLst/>
-            <a:rect r="r" b="b" t="t" l="l"/>
+            <a:rect l="l" t="t" r="r" b="b"/>
             <a:pathLst>
-              <a:path h="3636440" w="2843035">
+              <a:path w="2843035" h="3636440">
                 <a:moveTo>
                   <a:pt x="0" y="0"/>
                 </a:moveTo>
@@ -5942,24 +5937,24 @@
             <a:blip r:embed="rId8">
               <a:extLst>
                 <a:ext uri="{96DAC541-7B7A-43D3-8B79-37D633B846F1}">
-                  <asvg:svgBlip xmlns:asvg="http://schemas.microsoft.com/office/drawing/2016/SVG/main" r:embed="rId9"/>
+                  <asvg:svgBlip xmlns:asvg="http://schemas.microsoft.com/office/drawing/2016/SVG/main" xmlns="" r:embed="rId9"/>
                 </a:ext>
               </a:extLst>
             </a:blip>
             <a:stretch>
-              <a:fillRect l="0" t="0" r="0" b="0"/>
+              <a:fillRect/>
             </a:stretch>
           </a:blipFill>
         </p:spPr>
       </p:sp>
       <p:sp>
         <p:nvSpPr>
-          <p:cNvPr name="Freeform 6" id="6"/>
+          <p:cNvPr id="6" name="Freeform 6"/>
           <p:cNvSpPr/>
           <p:nvPr/>
         </p:nvSpPr>
         <p:spPr>
-          <a:xfrm flipH="false" flipV="false" rot="0">
+          <a:xfrm>
             <a:off x="3253055" y="-1919815"/>
             <a:ext cx="4754496" cy="4114800"/>
           </a:xfrm>
@@ -5968,9 +5963,9 @@
             <a:gdLst/>
             <a:ahLst/>
             <a:cxnLst/>
-            <a:rect r="r" b="b" t="t" l="l"/>
+            <a:rect l="l" t="t" r="r" b="b"/>
             <a:pathLst>
-              <a:path h="4114800" w="4754496">
+              <a:path w="4754496" h="4114800">
                 <a:moveTo>
                   <a:pt x="0" y="0"/>
                 </a:moveTo>
@@ -5994,24 +5989,24 @@
             <a:blip r:embed="rId10">
               <a:extLst>
                 <a:ext uri="{96DAC541-7B7A-43D3-8B79-37D633B846F1}">
-                  <asvg:svgBlip xmlns:asvg="http://schemas.microsoft.com/office/drawing/2016/SVG/main" r:embed="rId11"/>
+                  <asvg:svgBlip xmlns:asvg="http://schemas.microsoft.com/office/drawing/2016/SVG/main" xmlns="" r:embed="rId11"/>
                 </a:ext>
               </a:extLst>
             </a:blip>
             <a:stretch>
-              <a:fillRect l="0" t="0" r="0" b="0"/>
+              <a:fillRect/>
             </a:stretch>
           </a:blipFill>
         </p:spPr>
       </p:sp>
       <p:sp>
         <p:nvSpPr>
-          <p:cNvPr name="Freeform 7" id="7"/>
+          <p:cNvPr id="7" name="Freeform 7"/>
           <p:cNvSpPr/>
           <p:nvPr/>
         </p:nvSpPr>
         <p:spPr>
-          <a:xfrm flipH="false" flipV="false" rot="0">
+          <a:xfrm>
             <a:off x="13003210" y="-1051363"/>
             <a:ext cx="2263087" cy="2894647"/>
           </a:xfrm>
@@ -6020,9 +6015,9 @@
             <a:gdLst/>
             <a:ahLst/>
             <a:cxnLst/>
-            <a:rect r="r" b="b" t="t" l="l"/>
+            <a:rect l="l" t="t" r="r" b="b"/>
             <a:pathLst>
-              <a:path h="2894647" w="2263087">
+              <a:path w="2263087" h="2894647">
                 <a:moveTo>
                   <a:pt x="0" y="0"/>
                 </a:moveTo>
@@ -6046,24 +6041,24 @@
             <a:blip r:embed="rId12">
               <a:extLst>
                 <a:ext uri="{96DAC541-7B7A-43D3-8B79-37D633B846F1}">
-                  <asvg:svgBlip xmlns:asvg="http://schemas.microsoft.com/office/drawing/2016/SVG/main" r:embed="rId13"/>
+                  <asvg:svgBlip xmlns:asvg="http://schemas.microsoft.com/office/drawing/2016/SVG/main" xmlns="" r:embed="rId13"/>
                 </a:ext>
               </a:extLst>
             </a:blip>
             <a:stretch>
-              <a:fillRect l="0" t="0" r="0" b="0"/>
+              <a:fillRect/>
             </a:stretch>
           </a:blipFill>
         </p:spPr>
       </p:sp>
       <p:sp>
         <p:nvSpPr>
-          <p:cNvPr name="Freeform 8" id="8"/>
+          <p:cNvPr id="8" name="Freeform 8"/>
           <p:cNvSpPr/>
           <p:nvPr/>
         </p:nvSpPr>
         <p:spPr>
-          <a:xfrm flipH="false" flipV="false" rot="788334">
+          <a:xfrm rot="788334">
             <a:off x="-2411371" y="979389"/>
             <a:ext cx="4343839" cy="4114800"/>
           </a:xfrm>
@@ -6072,9 +6067,9 @@
             <a:gdLst/>
             <a:ahLst/>
             <a:cxnLst/>
-            <a:rect r="r" b="b" t="t" l="l"/>
+            <a:rect l="l" t="t" r="r" b="b"/>
             <a:pathLst>
-              <a:path h="4114800" w="4343839">
+              <a:path w="4343839" h="4114800">
                 <a:moveTo>
                   <a:pt x="0" y="0"/>
                 </a:moveTo>
@@ -6098,24 +6093,24 @@
             <a:blip r:embed="rId14">
               <a:extLst>
                 <a:ext uri="{96DAC541-7B7A-43D3-8B79-37D633B846F1}">
-                  <asvg:svgBlip xmlns:asvg="http://schemas.microsoft.com/office/drawing/2016/SVG/main" r:embed="rId15"/>
+                  <asvg:svgBlip xmlns:asvg="http://schemas.microsoft.com/office/drawing/2016/SVG/main" xmlns="" r:embed="rId15"/>
                 </a:ext>
               </a:extLst>
             </a:blip>
             <a:stretch>
-              <a:fillRect l="0" t="0" r="0" b="0"/>
+              <a:fillRect/>
             </a:stretch>
           </a:blipFill>
         </p:spPr>
       </p:sp>
       <p:sp>
         <p:nvSpPr>
-          <p:cNvPr name="Freeform 9" id="9"/>
+          <p:cNvPr id="9" name="Freeform 9"/>
           <p:cNvSpPr/>
           <p:nvPr/>
         </p:nvSpPr>
         <p:spPr>
-          <a:xfrm flipH="false" flipV="false" rot="-1404291">
+          <a:xfrm rot="-1404291">
             <a:off x="8180028" y="7302992"/>
             <a:ext cx="3462000" cy="4920155"/>
           </a:xfrm>
@@ -6124,9 +6119,9 @@
             <a:gdLst/>
             <a:ahLst/>
             <a:cxnLst/>
-            <a:rect r="r" b="b" t="t" l="l"/>
+            <a:rect l="l" t="t" r="r" b="b"/>
             <a:pathLst>
-              <a:path h="4920155" w="3462000">
+              <a:path w="3462000" h="4920155">
                 <a:moveTo>
                   <a:pt x="0" y="0"/>
                 </a:moveTo>
@@ -6150,24 +6145,24 @@
             <a:blip r:embed="rId16">
               <a:extLst>
                 <a:ext uri="{96DAC541-7B7A-43D3-8B79-37D633B846F1}">
-                  <asvg:svgBlip xmlns:asvg="http://schemas.microsoft.com/office/drawing/2016/SVG/main" r:embed="rId17"/>
+                  <asvg:svgBlip xmlns:asvg="http://schemas.microsoft.com/office/drawing/2016/SVG/main" xmlns="" r:embed="rId17"/>
                 </a:ext>
               </a:extLst>
             </a:blip>
             <a:stretch>
-              <a:fillRect l="0" t="0" r="0" b="0"/>
+              <a:fillRect/>
             </a:stretch>
           </a:blipFill>
         </p:spPr>
       </p:sp>
       <p:sp>
         <p:nvSpPr>
-          <p:cNvPr name="TextBox 10" id="10"/>
-          <p:cNvSpPr txBox="true"/>
+          <p:cNvPr id="10" name="TextBox 10"/>
+          <p:cNvSpPr txBox="1"/>
           <p:nvPr/>
         </p:nvSpPr>
         <p:spPr>
-          <a:xfrm rot="0">
+          <a:xfrm>
             <a:off x="3465798" y="3591498"/>
             <a:ext cx="11538920" cy="1781259"/>
           </a:xfrm>
@@ -6176,7 +6171,7 @@
           </a:prstGeom>
         </p:spPr>
         <p:txBody>
-          <a:bodyPr anchor="t" rtlCol="false" tIns="0" lIns="0" bIns="0" rIns="0">
+          <a:bodyPr lIns="0" tIns="0" rIns="0" bIns="0" rtlCol="0" anchor="t">
             <a:spAutoFit/>
           </a:bodyPr>
           <a:lstStyle/>
@@ -6187,7 +6182,7 @@
               </a:lnSpc>
             </a:pPr>
             <a:r>
-              <a:rPr lang="en-US" sz="13698">
+              <a:rPr lang="en-US" sz="13698" dirty="0">
                 <a:solidFill>
                   <a:srgbClr val="C1314C"/>
                 </a:solidFill>
@@ -6203,12 +6198,12 @@
       </p:sp>
       <p:sp>
         <p:nvSpPr>
-          <p:cNvPr name="TextBox 11" id="11"/>
-          <p:cNvSpPr txBox="true"/>
+          <p:cNvPr id="11" name="TextBox 11"/>
+          <p:cNvSpPr txBox="1"/>
           <p:nvPr/>
         </p:nvSpPr>
         <p:spPr>
-          <a:xfrm rot="0">
+          <a:xfrm>
             <a:off x="3465798" y="5148272"/>
             <a:ext cx="11538920" cy="1033781"/>
           </a:xfrm>
@@ -6217,7 +6212,7 @@
           </a:prstGeom>
         </p:spPr>
         <p:txBody>
-          <a:bodyPr anchor="t" rtlCol="false" tIns="0" lIns="0" bIns="0" rIns="0">
+          <a:bodyPr lIns="0" tIns="0" rIns="0" bIns="0" rtlCol="0" anchor="t">
             <a:spAutoFit/>
           </a:bodyPr>
           <a:lstStyle/>
@@ -6228,7 +6223,7 @@
               </a:lnSpc>
             </a:pPr>
             <a:r>
-              <a:rPr lang="en-US" sz="8000">
+              <a:rPr lang="en-US" sz="8000" dirty="0">
                 <a:solidFill>
                   <a:srgbClr val="C1314C"/>
                 </a:solidFill>
@@ -6247,6 +6242,13 @@
   <p:clrMapOvr>
     <a:masterClrMapping/>
   </p:clrMapOvr>
+  <p:timing>
+    <p:tnLst>
+      <p:par>
+        <p:cTn id="1" dur="indefinite" restart="never" nodeType="tmRoot"/>
+      </p:par>
+    </p:tnLst>
+  </p:timing>
 </p:sld>
 </file>
 

--- a/Upswing Jumpin’.pptx
+++ b/Upswing Jumpin’.pptx
@@ -17,30 +17,30 @@
   <p:notesSz cx="6858000" cy="9144000"/>
   <p:embeddedFontLst>
     <p:embeddedFont>
-      <p:font typeface="Clear Sans Regular" panose="020B0604020202020204" charset="0"/>
+      <p:font typeface="Clear Sans Regular Bold" panose="020B0604020202020204" charset="0"/>
       <p:regular r:id="rId9"/>
     </p:embeddedFont>
     <p:embeddedFont>
-      <p:font typeface="Dreaming Outloud Sans" panose="020B0604020202020204" charset="-52"/>
+      <p:font typeface="Calibri" panose="020F0502020204030204" pitchFamily="34" charset="0"/>
       <p:regular r:id="rId10"/>
+      <p:bold r:id="rId11"/>
+      <p:italic r:id="rId12"/>
+      <p:boldItalic r:id="rId13"/>
     </p:embeddedFont>
     <p:embeddedFont>
       <p:font typeface="Open Sans" panose="020B0604020202020204" charset="0"/>
-      <p:regular r:id="rId11"/>
+      <p:regular r:id="rId14"/>
     </p:embeddedFont>
     <p:embeddedFont>
-      <p:font typeface="Calibri" panose="020F0502020204030204" pitchFamily="34" charset="0"/>
-      <p:regular r:id="rId12"/>
-      <p:bold r:id="rId13"/>
-      <p:italic r:id="rId14"/>
-      <p:boldItalic r:id="rId15"/>
+      <p:font typeface="Clear Sans Regular" panose="020B0604020202020204" charset="0"/>
+      <p:regular r:id="rId15"/>
     </p:embeddedFont>
     <p:embeddedFont>
       <p:font typeface="Lalezar" panose="020B0604020202020204" charset="-78"/>
       <p:regular r:id="rId16"/>
     </p:embeddedFont>
     <p:embeddedFont>
-      <p:font typeface="Clear Sans Regular Bold" panose="020B0604020202020204" charset="0"/>
+      <p:font typeface="Dreaming Outloud Sans" panose="020B0604020202020204" charset="-52"/>
       <p:regular r:id="rId17"/>
     </p:embeddedFont>
   </p:embeddedFontLst>
@@ -3220,7 +3220,7 @@
             <a:blip r:embed="rId2">
               <a:extLst>
                 <a:ext uri="{96DAC541-7B7A-43D3-8B79-37D633B846F1}">
-                  <asvg:svgBlip xmlns:asvg="http://schemas.microsoft.com/office/drawing/2016/SVG/main" xmlns="" r:embed="rId3"/>
+                  <asvg:svgBlip xmlns="" xmlns:asvg="http://schemas.microsoft.com/office/drawing/2016/SVG/main" r:embed="rId3"/>
                 </a:ext>
               </a:extLst>
             </a:blip>
@@ -3272,7 +3272,7 @@
             <a:blip r:embed="rId4">
               <a:extLst>
                 <a:ext uri="{96DAC541-7B7A-43D3-8B79-37D633B846F1}">
-                  <asvg:svgBlip xmlns:asvg="http://schemas.microsoft.com/office/drawing/2016/SVG/main" xmlns="" r:embed="rId5"/>
+                  <asvg:svgBlip xmlns="" xmlns:asvg="http://schemas.microsoft.com/office/drawing/2016/SVG/main" r:embed="rId5"/>
                 </a:ext>
               </a:extLst>
             </a:blip>
@@ -3324,7 +3324,7 @@
             <a:blip r:embed="rId6">
               <a:extLst>
                 <a:ext uri="{96DAC541-7B7A-43D3-8B79-37D633B846F1}">
-                  <asvg:svgBlip xmlns:asvg="http://schemas.microsoft.com/office/drawing/2016/SVG/main" xmlns="" r:embed="rId7"/>
+                  <asvg:svgBlip xmlns="" xmlns:asvg="http://schemas.microsoft.com/office/drawing/2016/SVG/main" r:embed="rId7"/>
                 </a:ext>
               </a:extLst>
             </a:blip>
@@ -3376,7 +3376,7 @@
             <a:blip r:embed="rId8">
               <a:extLst>
                 <a:ext uri="{96DAC541-7B7A-43D3-8B79-37D633B846F1}">
-                  <asvg:svgBlip xmlns:asvg="http://schemas.microsoft.com/office/drawing/2016/SVG/main" xmlns="" r:embed="rId9"/>
+                  <asvg:svgBlip xmlns="" xmlns:asvg="http://schemas.microsoft.com/office/drawing/2016/SVG/main" r:embed="rId9"/>
                 </a:ext>
               </a:extLst>
             </a:blip>
@@ -3428,7 +3428,7 @@
             <a:blip r:embed="rId10">
               <a:extLst>
                 <a:ext uri="{96DAC541-7B7A-43D3-8B79-37D633B846F1}">
-                  <asvg:svgBlip xmlns:asvg="http://schemas.microsoft.com/office/drawing/2016/SVG/main" xmlns="" r:embed="rId11"/>
+                  <asvg:svgBlip xmlns="" xmlns:asvg="http://schemas.microsoft.com/office/drawing/2016/SVG/main" r:embed="rId11"/>
                 </a:ext>
               </a:extLst>
             </a:blip>
@@ -3480,7 +3480,7 @@
             <a:blip r:embed="rId12">
               <a:extLst>
                 <a:ext uri="{96DAC541-7B7A-43D3-8B79-37D633B846F1}">
-                  <asvg:svgBlip xmlns:asvg="http://schemas.microsoft.com/office/drawing/2016/SVG/main" xmlns="" r:embed="rId13"/>
+                  <asvg:svgBlip xmlns="" xmlns:asvg="http://schemas.microsoft.com/office/drawing/2016/SVG/main" r:embed="rId13"/>
                 </a:ext>
               </a:extLst>
             </a:blip>
@@ -3532,7 +3532,7 @@
             <a:blip r:embed="rId14">
               <a:extLst>
                 <a:ext uri="{96DAC541-7B7A-43D3-8B79-37D633B846F1}">
-                  <asvg:svgBlip xmlns:asvg="http://schemas.microsoft.com/office/drawing/2016/SVG/main" xmlns="" r:embed="rId15"/>
+                  <asvg:svgBlip xmlns="" xmlns:asvg="http://schemas.microsoft.com/office/drawing/2016/SVG/main" r:embed="rId15"/>
                 </a:ext>
               </a:extLst>
             </a:blip>
@@ -3584,7 +3584,7 @@
             <a:blip r:embed="rId16">
               <a:extLst>
                 <a:ext uri="{96DAC541-7B7A-43D3-8B79-37D633B846F1}">
-                  <asvg:svgBlip xmlns:asvg="http://schemas.microsoft.com/office/drawing/2016/SVG/main" xmlns="" r:embed="rId17"/>
+                  <asvg:svgBlip xmlns="" xmlns:asvg="http://schemas.microsoft.com/office/drawing/2016/SVG/main" r:embed="rId17"/>
                 </a:ext>
               </a:extLst>
             </a:blip>
@@ -4058,7 +4058,7 @@
             <a:blip r:embed="rId2">
               <a:extLst>
                 <a:ext uri="{96DAC541-7B7A-43D3-8B79-37D633B846F1}">
-                  <asvg:svgBlip xmlns:asvg="http://schemas.microsoft.com/office/drawing/2016/SVG/main" xmlns="" r:embed="rId3"/>
+                  <asvg:svgBlip xmlns="" xmlns:asvg="http://schemas.microsoft.com/office/drawing/2016/SVG/main" r:embed="rId3"/>
                 </a:ext>
               </a:extLst>
             </a:blip>
@@ -4110,7 +4110,7 @@
             <a:blip r:embed="rId4">
               <a:extLst>
                 <a:ext uri="{96DAC541-7B7A-43D3-8B79-37D633B846F1}">
-                  <asvg:svgBlip xmlns:asvg="http://schemas.microsoft.com/office/drawing/2016/SVG/main" xmlns="" r:embed="rId5"/>
+                  <asvg:svgBlip xmlns="" xmlns:asvg="http://schemas.microsoft.com/office/drawing/2016/SVG/main" r:embed="rId5"/>
                 </a:ext>
               </a:extLst>
             </a:blip>
@@ -4162,7 +4162,7 @@
             <a:blip r:embed="rId6">
               <a:extLst>
                 <a:ext uri="{96DAC541-7B7A-43D3-8B79-37D633B846F1}">
-                  <asvg:svgBlip xmlns:asvg="http://schemas.microsoft.com/office/drawing/2016/SVG/main" xmlns="" r:embed="rId7"/>
+                  <asvg:svgBlip xmlns="" xmlns:asvg="http://schemas.microsoft.com/office/drawing/2016/SVG/main" r:embed="rId7"/>
                 </a:ext>
               </a:extLst>
             </a:blip>
@@ -4214,7 +4214,7 @@
             <a:blip r:embed="rId8">
               <a:extLst>
                 <a:ext uri="{96DAC541-7B7A-43D3-8B79-37D633B846F1}">
-                  <asvg:svgBlip xmlns:asvg="http://schemas.microsoft.com/office/drawing/2016/SVG/main" xmlns="" r:embed="rId9"/>
+                  <asvg:svgBlip xmlns="" xmlns:asvg="http://schemas.microsoft.com/office/drawing/2016/SVG/main" r:embed="rId9"/>
                 </a:ext>
               </a:extLst>
             </a:blip>
@@ -4266,7 +4266,7 @@
             <a:blip r:embed="rId10">
               <a:extLst>
                 <a:ext uri="{96DAC541-7B7A-43D3-8B79-37D633B846F1}">
-                  <asvg:svgBlip xmlns:asvg="http://schemas.microsoft.com/office/drawing/2016/SVG/main" xmlns="" r:embed="rId11"/>
+                  <asvg:svgBlip xmlns="" xmlns:asvg="http://schemas.microsoft.com/office/drawing/2016/SVG/main" r:embed="rId11"/>
                 </a:ext>
               </a:extLst>
             </a:blip>
@@ -4318,7 +4318,7 @@
             <a:blip r:embed="rId12">
               <a:extLst>
                 <a:ext uri="{96DAC541-7B7A-43D3-8B79-37D633B846F1}">
-                  <asvg:svgBlip xmlns:asvg="http://schemas.microsoft.com/office/drawing/2016/SVG/main" xmlns="" r:embed="rId13"/>
+                  <asvg:svgBlip xmlns="" xmlns:asvg="http://schemas.microsoft.com/office/drawing/2016/SVG/main" r:embed="rId13"/>
                 </a:ext>
               </a:extLst>
             </a:blip>
@@ -4374,7 +4374,13 @@
           <p:cNvGraphicFramePr>
             <a:graphicFrameLocks noGrp="1"/>
           </p:cNvGraphicFramePr>
-          <p:nvPr/>
+          <p:nvPr>
+            <p:extLst>
+              <p:ext uri="{D42A27DB-BD31-4B8C-83A1-F6EECF244321}">
+                <p14:modId xmlns:p14="http://schemas.microsoft.com/office/powerpoint/2010/main" val="3079167479"/>
+              </p:ext>
+            </p:extLst>
+          </p:nvPr>
         </p:nvGraphicFramePr>
         <p:xfrm>
           <a:off x="6920779" y="-88491"/>
@@ -4490,7 +4496,103 @@
                           <a:cs typeface="Clear Sans Regular"/>
                           <a:sym typeface="Clear Sans Regular"/>
                         </a:rPr>
-                        <a:t>Простенький клон игры Geometry Dash, внедря свои особенности в музыке и дизайне</a:t>
+                        <a:t>Простенький </a:t>
+                      </a:r>
+                      <a:r>
+                        <a:rPr lang="ru-RU" sz="2499" dirty="0" smtClean="0">
+                          <a:solidFill>
+                            <a:srgbClr val="FEFEFE"/>
+                          </a:solidFill>
+                          <a:latin typeface="Clear Sans Regular"/>
+                          <a:ea typeface="Clear Sans Regular"/>
+                          <a:cs typeface="Clear Sans Regular"/>
+                          <a:sym typeface="Clear Sans Regular"/>
+                        </a:rPr>
+                        <a:t>ритм-платформер</a:t>
+                      </a:r>
+                      <a:r>
+                        <a:rPr lang="ru-RU" sz="2499" baseline="0" dirty="0" smtClean="0">
+                          <a:solidFill>
+                            <a:srgbClr val="FEFEFE"/>
+                          </a:solidFill>
+                          <a:latin typeface="Clear Sans Regular"/>
+                          <a:ea typeface="Clear Sans Regular"/>
+                          <a:cs typeface="Clear Sans Regular"/>
+                          <a:sym typeface="Clear Sans Regular"/>
+                        </a:rPr>
+                        <a:t> со </a:t>
+                      </a:r>
+                      <a:r>
+                        <a:rPr lang="en-US" sz="2499" dirty="0" smtClean="0">
+                          <a:solidFill>
+                            <a:srgbClr val="FEFEFE"/>
+                          </a:solidFill>
+                          <a:latin typeface="Clear Sans Regular"/>
+                          <a:ea typeface="Clear Sans Regular"/>
+                          <a:cs typeface="Clear Sans Regular"/>
+                          <a:sym typeface="Clear Sans Regular"/>
+                        </a:rPr>
+                        <a:t>свои</a:t>
+                      </a:r>
+                      <a:r>
+                        <a:rPr lang="ru-RU" sz="2499" dirty="0" smtClean="0">
+                          <a:solidFill>
+                            <a:srgbClr val="FEFEFE"/>
+                          </a:solidFill>
+                          <a:latin typeface="Clear Sans Regular"/>
+                          <a:ea typeface="Clear Sans Regular"/>
+                          <a:cs typeface="Clear Sans Regular"/>
+                          <a:sym typeface="Clear Sans Regular"/>
+                        </a:rPr>
+                        <a:t>ми</a:t>
+                      </a:r>
+                      <a:r>
+                        <a:rPr lang="en-US" sz="2499" dirty="0" smtClean="0">
+                          <a:solidFill>
+                            <a:srgbClr val="FEFEFE"/>
+                          </a:solidFill>
+                          <a:latin typeface="Clear Sans Regular"/>
+                          <a:ea typeface="Clear Sans Regular"/>
+                          <a:cs typeface="Clear Sans Regular"/>
+                          <a:sym typeface="Clear Sans Regular"/>
+                        </a:rPr>
+                        <a:t> особенност</a:t>
+                      </a:r>
+                      <a:r>
+                        <a:rPr lang="ru-RU" sz="2499" dirty="0" smtClean="0">
+                          <a:solidFill>
+                            <a:srgbClr val="FEFEFE"/>
+                          </a:solidFill>
+                          <a:latin typeface="Clear Sans Regular"/>
+                          <a:ea typeface="Clear Sans Regular"/>
+                          <a:cs typeface="Clear Sans Regular"/>
+                          <a:sym typeface="Clear Sans Regular"/>
+                        </a:rPr>
+                        <a:t>ями</a:t>
+                      </a:r>
+                      <a:r>
+                        <a:rPr lang="en-US" sz="2499" dirty="0" smtClean="0">
+                          <a:solidFill>
+                            <a:srgbClr val="FEFEFE"/>
+                          </a:solidFill>
+                          <a:latin typeface="Clear Sans Regular"/>
+                          <a:ea typeface="Clear Sans Regular"/>
+                          <a:cs typeface="Clear Sans Regular"/>
+                          <a:sym typeface="Clear Sans Regular"/>
+                        </a:rPr>
+                        <a:t> </a:t>
+                      </a:r>
+                      <a:r>
+                        <a:rPr lang="en-US" sz="2499" dirty="0">
+                          <a:solidFill>
+                            <a:srgbClr val="FEFEFE"/>
+                          </a:solidFill>
+                          <a:latin typeface="Clear Sans Regular"/>
+                          <a:ea typeface="Clear Sans Regular"/>
+                          <a:cs typeface="Clear Sans Regular"/>
+                          <a:sym typeface="Clear Sans Regular"/>
+                        </a:rPr>
+                        <a:t>в музыке и дизайне</a:t>
                       </a:r>
                       <a:endParaRPr lang="en-US" sz="1100" dirty="0"/>
                     </a:p>
@@ -5155,7 +5257,7 @@
             <a:blip r:embed="rId2">
               <a:extLst>
                 <a:ext uri="{96DAC541-7B7A-43D3-8B79-37D633B846F1}">
-                  <asvg:svgBlip xmlns:asvg="http://schemas.microsoft.com/office/drawing/2016/SVG/main" xmlns="" r:embed="rId3"/>
+                  <asvg:svgBlip xmlns="" xmlns:asvg="http://schemas.microsoft.com/office/drawing/2016/SVG/main" r:embed="rId3"/>
                 </a:ext>
               </a:extLst>
             </a:blip>
@@ -5207,7 +5309,7 @@
             <a:blip r:embed="rId4">
               <a:extLst>
                 <a:ext uri="{96DAC541-7B7A-43D3-8B79-37D633B846F1}">
-                  <asvg:svgBlip xmlns:asvg="http://schemas.microsoft.com/office/drawing/2016/SVG/main" xmlns="" r:embed="rId5"/>
+                  <asvg:svgBlip xmlns="" xmlns:asvg="http://schemas.microsoft.com/office/drawing/2016/SVG/main" r:embed="rId5"/>
                 </a:ext>
               </a:extLst>
             </a:blip>
@@ -5259,7 +5361,7 @@
             <a:blip r:embed="rId6">
               <a:extLst>
                 <a:ext uri="{96DAC541-7B7A-43D3-8B79-37D633B846F1}">
-                  <asvg:svgBlip xmlns:asvg="http://schemas.microsoft.com/office/drawing/2016/SVG/main" xmlns="" r:embed="rId7"/>
+                  <asvg:svgBlip xmlns="" xmlns:asvg="http://schemas.microsoft.com/office/drawing/2016/SVG/main" r:embed="rId7"/>
                 </a:ext>
               </a:extLst>
             </a:blip>
@@ -5311,7 +5413,7 @@
             <a:blip r:embed="rId8">
               <a:extLst>
                 <a:ext uri="{96DAC541-7B7A-43D3-8B79-37D633B846F1}">
-                  <asvg:svgBlip xmlns:asvg="http://schemas.microsoft.com/office/drawing/2016/SVG/main" xmlns="" r:embed="rId9"/>
+                  <asvg:svgBlip xmlns="" xmlns:asvg="http://schemas.microsoft.com/office/drawing/2016/SVG/main" r:embed="rId9"/>
                 </a:ext>
               </a:extLst>
             </a:blip>
@@ -5781,7 +5883,7 @@
             <a:blip r:embed="rId2">
               <a:extLst>
                 <a:ext uri="{96DAC541-7B7A-43D3-8B79-37D633B846F1}">
-                  <asvg:svgBlip xmlns:asvg="http://schemas.microsoft.com/office/drawing/2016/SVG/main" xmlns="" r:embed="rId3"/>
+                  <asvg:svgBlip xmlns="" xmlns:asvg="http://schemas.microsoft.com/office/drawing/2016/SVG/main" r:embed="rId3"/>
                 </a:ext>
               </a:extLst>
             </a:blip>
@@ -5833,7 +5935,7 @@
             <a:blip r:embed="rId4">
               <a:extLst>
                 <a:ext uri="{96DAC541-7B7A-43D3-8B79-37D633B846F1}">
-                  <asvg:svgBlip xmlns:asvg="http://schemas.microsoft.com/office/drawing/2016/SVG/main" xmlns="" r:embed="rId5"/>
+                  <asvg:svgBlip xmlns="" xmlns:asvg="http://schemas.microsoft.com/office/drawing/2016/SVG/main" r:embed="rId5"/>
                 </a:ext>
               </a:extLst>
             </a:blip>
@@ -5885,7 +5987,7 @@
             <a:blip r:embed="rId6">
               <a:extLst>
                 <a:ext uri="{96DAC541-7B7A-43D3-8B79-37D633B846F1}">
-                  <asvg:svgBlip xmlns:asvg="http://schemas.microsoft.com/office/drawing/2016/SVG/main" xmlns="" r:embed="rId7"/>
+                  <asvg:svgBlip xmlns="" xmlns:asvg="http://schemas.microsoft.com/office/drawing/2016/SVG/main" r:embed="rId7"/>
                 </a:ext>
               </a:extLst>
             </a:blip>
@@ -5937,7 +6039,7 @@
             <a:blip r:embed="rId8">
               <a:extLst>
                 <a:ext uri="{96DAC541-7B7A-43D3-8B79-37D633B846F1}">
-                  <asvg:svgBlip xmlns:asvg="http://schemas.microsoft.com/office/drawing/2016/SVG/main" xmlns="" r:embed="rId9"/>
+                  <asvg:svgBlip xmlns="" xmlns:asvg="http://schemas.microsoft.com/office/drawing/2016/SVG/main" r:embed="rId9"/>
                 </a:ext>
               </a:extLst>
             </a:blip>
@@ -5989,7 +6091,7 @@
             <a:blip r:embed="rId10">
               <a:extLst>
                 <a:ext uri="{96DAC541-7B7A-43D3-8B79-37D633B846F1}">
-                  <asvg:svgBlip xmlns:asvg="http://schemas.microsoft.com/office/drawing/2016/SVG/main" xmlns="" r:embed="rId11"/>
+                  <asvg:svgBlip xmlns="" xmlns:asvg="http://schemas.microsoft.com/office/drawing/2016/SVG/main" r:embed="rId11"/>
                 </a:ext>
               </a:extLst>
             </a:blip>
@@ -6041,7 +6143,7 @@
             <a:blip r:embed="rId12">
               <a:extLst>
                 <a:ext uri="{96DAC541-7B7A-43D3-8B79-37D633B846F1}">
-                  <asvg:svgBlip xmlns:asvg="http://schemas.microsoft.com/office/drawing/2016/SVG/main" xmlns="" r:embed="rId13"/>
+                  <asvg:svgBlip xmlns="" xmlns:asvg="http://schemas.microsoft.com/office/drawing/2016/SVG/main" r:embed="rId13"/>
                 </a:ext>
               </a:extLst>
             </a:blip>
@@ -6093,7 +6195,7 @@
             <a:blip r:embed="rId14">
               <a:extLst>
                 <a:ext uri="{96DAC541-7B7A-43D3-8B79-37D633B846F1}">
-                  <asvg:svgBlip xmlns:asvg="http://schemas.microsoft.com/office/drawing/2016/SVG/main" xmlns="" r:embed="rId15"/>
+                  <asvg:svgBlip xmlns="" xmlns:asvg="http://schemas.microsoft.com/office/drawing/2016/SVG/main" r:embed="rId15"/>
                 </a:ext>
               </a:extLst>
             </a:blip>
@@ -6145,7 +6247,7 @@
             <a:blip r:embed="rId16">
               <a:extLst>
                 <a:ext uri="{96DAC541-7B7A-43D3-8B79-37D633B846F1}">
-                  <asvg:svgBlip xmlns:asvg="http://schemas.microsoft.com/office/drawing/2016/SVG/main" xmlns="" r:embed="rId17"/>
+                  <asvg:svgBlip xmlns="" xmlns:asvg="http://schemas.microsoft.com/office/drawing/2016/SVG/main" r:embed="rId17"/>
                 </a:ext>
               </a:extLst>
             </a:blip>
